--- a/Presentation1.pptx
+++ b/Presentation1.pptx
@@ -7,10 +7,12 @@
   <p:sldIdLst>
     <p:sldId id="256" r:id="rId2"/>
     <p:sldId id="257" r:id="rId3"/>
-    <p:sldId id="258" r:id="rId4"/>
-    <p:sldId id="259" r:id="rId5"/>
-    <p:sldId id="260" r:id="rId6"/>
-    <p:sldId id="261" r:id="rId7"/>
+    <p:sldId id="262" r:id="rId4"/>
+    <p:sldId id="264" r:id="rId5"/>
+    <p:sldId id="258" r:id="rId6"/>
+    <p:sldId id="259" r:id="rId7"/>
+    <p:sldId id="260" r:id="rId8"/>
+    <p:sldId id="261" r:id="rId9"/>
   </p:sldIdLst>
   <p:sldSz cx="12192000" cy="6858000"/>
   <p:notesSz cx="6858000" cy="9144000"/>
@@ -109,6 +111,11 @@
       </a:defRPr>
     </a:lvl9pPr>
   </p:defaultTextStyle>
+  <p:extLst>
+    <p:ext uri="{EFAFB233-063F-42B5-8137-9DF3F51BA10A}">
+      <p15:sldGuideLst xmlns:p15="http://schemas.microsoft.com/office/powerpoint/2012/main"/>
+    </p:ext>
+  </p:extLst>
 </p:presentation>
 </file>
 
@@ -162,7 +169,7 @@
           <a:noFill/>
           <a:extLst>
             <a:ext uri="{909E8E84-426E-40dd-AFC4-6F175D3DCCD1}">
-              <a14:hiddenFill xmlns:a14="http://schemas.microsoft.com/office/drawing/2010/main" xmlns="">
+              <a14:hiddenFill xmlns="" xmlns:a14="http://schemas.microsoft.com/office/drawing/2010/main">
                 <a:solidFill>
                   <a:srgbClr val="FFFFFF"/>
                 </a:solidFill>
@@ -222,7 +229,7 @@
             </a:ln>
             <a:extLst>
               <a:ext uri="{91240B29-F687-4f45-9708-019B960494DF}">
-                <a14:hiddenLine xmlns:a14="http://schemas.microsoft.com/office/drawing/2010/main" xmlns="" w="9525">
+                <a14:hiddenLine xmlns="" xmlns:a14="http://schemas.microsoft.com/office/drawing/2010/main" w="9525">
                   <a:solidFill>
                     <a:srgbClr val="000000"/>
                   </a:solidFill>
@@ -312,7 +319,7 @@
             </a:ln>
             <a:extLst>
               <a:ext uri="{91240B29-F687-4f45-9708-019B960494DF}">
-                <a14:hiddenLine xmlns:a14="http://schemas.microsoft.com/office/drawing/2010/main" xmlns="" w="9525">
+                <a14:hiddenLine xmlns="" xmlns:a14="http://schemas.microsoft.com/office/drawing/2010/main" w="9525">
                   <a:solidFill>
                     <a:srgbClr val="000000"/>
                   </a:solidFill>
@@ -402,7 +409,7 @@
             </a:ln>
             <a:extLst>
               <a:ext uri="{91240B29-F687-4f45-9708-019B960494DF}">
-                <a14:hiddenLine xmlns:a14="http://schemas.microsoft.com/office/drawing/2010/main" xmlns="" w="9525">
+                <a14:hiddenLine xmlns="" xmlns:a14="http://schemas.microsoft.com/office/drawing/2010/main" w="9525">
                   <a:solidFill>
                     <a:srgbClr val="000000"/>
                   </a:solidFill>
@@ -436,7 +443,7 @@
             </a:ln>
             <a:extLst>
               <a:ext uri="{91240B29-F687-4f45-9708-019B960494DF}">
-                <a14:hiddenLine xmlns:a14="http://schemas.microsoft.com/office/drawing/2010/main" xmlns="" w="9525">
+                <a14:hiddenLine xmlns="" xmlns:a14="http://schemas.microsoft.com/office/drawing/2010/main" w="9525">
                   <a:solidFill>
                     <a:srgbClr val="000000"/>
                   </a:solidFill>
@@ -526,7 +533,7 @@
             </a:ln>
             <a:extLst>
               <a:ext uri="{91240B29-F687-4f45-9708-019B960494DF}">
-                <a14:hiddenLine xmlns:a14="http://schemas.microsoft.com/office/drawing/2010/main" xmlns="" w="9525">
+                <a14:hiddenLine xmlns="" xmlns:a14="http://schemas.microsoft.com/office/drawing/2010/main" w="9525">
                   <a:solidFill>
                     <a:srgbClr val="000000"/>
                   </a:solidFill>
@@ -588,7 +595,7 @@
             </a:ln>
             <a:extLst>
               <a:ext uri="{91240B29-F687-4f45-9708-019B960494DF}">
-                <a14:hiddenLine xmlns:a14="http://schemas.microsoft.com/office/drawing/2010/main" xmlns="" w="9525">
+                <a14:hiddenLine xmlns="" xmlns:a14="http://schemas.microsoft.com/office/drawing/2010/main" w="9525">
                   <a:solidFill>
                     <a:srgbClr val="000000"/>
                   </a:solidFill>
@@ -650,7 +657,7 @@
             </a:ln>
             <a:extLst>
               <a:ext uri="{91240B29-F687-4f45-9708-019B960494DF}">
-                <a14:hiddenLine xmlns:a14="http://schemas.microsoft.com/office/drawing/2010/main" xmlns="" w="9525">
+                <a14:hiddenLine xmlns="" xmlns:a14="http://schemas.microsoft.com/office/drawing/2010/main" w="9525">
                   <a:solidFill>
                     <a:srgbClr val="000000"/>
                   </a:solidFill>
@@ -740,7 +747,7 @@
             </a:ln>
             <a:extLst>
               <a:ext uri="{91240B29-F687-4f45-9708-019B960494DF}">
-                <a14:hiddenLine xmlns:a14="http://schemas.microsoft.com/office/drawing/2010/main" xmlns="" w="9525">
+                <a14:hiddenLine xmlns="" xmlns:a14="http://schemas.microsoft.com/office/drawing/2010/main" w="9525">
                   <a:solidFill>
                     <a:srgbClr val="000000"/>
                   </a:solidFill>
@@ -802,7 +809,7 @@
             </a:ln>
             <a:extLst>
               <a:ext uri="{91240B29-F687-4f45-9708-019B960494DF}">
-                <a14:hiddenLine xmlns:a14="http://schemas.microsoft.com/office/drawing/2010/main" xmlns="" w="9525">
+                <a14:hiddenLine xmlns="" xmlns:a14="http://schemas.microsoft.com/office/drawing/2010/main" w="9525">
                   <a:solidFill>
                     <a:srgbClr val="000000"/>
                   </a:solidFill>
@@ -864,7 +871,7 @@
             </a:ln>
             <a:extLst>
               <a:ext uri="{91240B29-F687-4f45-9708-019B960494DF}">
-                <a14:hiddenLine xmlns:a14="http://schemas.microsoft.com/office/drawing/2010/main" xmlns="" w="9525">
+                <a14:hiddenLine xmlns="" xmlns:a14="http://schemas.microsoft.com/office/drawing/2010/main" w="9525">
                   <a:solidFill>
                     <a:srgbClr val="000000"/>
                   </a:solidFill>
@@ -954,7 +961,7 @@
             </a:ln>
             <a:extLst>
               <a:ext uri="{91240B29-F687-4f45-9708-019B960494DF}">
-                <a14:hiddenLine xmlns:a14="http://schemas.microsoft.com/office/drawing/2010/main" xmlns="" w="9525">
+                <a14:hiddenLine xmlns="" xmlns:a14="http://schemas.microsoft.com/office/drawing/2010/main" w="9525">
                   <a:solidFill>
                     <a:srgbClr val="000000"/>
                   </a:solidFill>
@@ -1044,7 +1051,7 @@
             </a:ln>
             <a:extLst>
               <a:ext uri="{91240B29-F687-4f45-9708-019B960494DF}">
-                <a14:hiddenLine xmlns:a14="http://schemas.microsoft.com/office/drawing/2010/main" xmlns="" w="9525">
+                <a14:hiddenLine xmlns="" xmlns:a14="http://schemas.microsoft.com/office/drawing/2010/main" w="9525">
                   <a:solidFill>
                     <a:srgbClr val="000000"/>
                   </a:solidFill>
@@ -1106,7 +1113,7 @@
             </a:ln>
             <a:extLst>
               <a:ext uri="{91240B29-F687-4f45-9708-019B960494DF}">
-                <a14:hiddenLine xmlns:a14="http://schemas.microsoft.com/office/drawing/2010/main" xmlns="" w="9525">
+                <a14:hiddenLine xmlns="" xmlns:a14="http://schemas.microsoft.com/office/drawing/2010/main" w="9525">
                   <a:solidFill>
                     <a:srgbClr val="000000"/>
                   </a:solidFill>
@@ -1216,7 +1223,7 @@
             </a:ln>
             <a:extLst>
               <a:ext uri="{91240B29-F687-4f45-9708-019B960494DF}">
-                <a14:hiddenLine xmlns:a14="http://schemas.microsoft.com/office/drawing/2010/main" xmlns="" w="9525">
+                <a14:hiddenLine xmlns="" xmlns:a14="http://schemas.microsoft.com/office/drawing/2010/main" w="9525">
                   <a:solidFill>
                     <a:srgbClr val="000000"/>
                   </a:solidFill>
@@ -1278,7 +1285,7 @@
             </a:ln>
             <a:extLst>
               <a:ext uri="{91240B29-F687-4f45-9708-019B960494DF}">
-                <a14:hiddenLine xmlns:a14="http://schemas.microsoft.com/office/drawing/2010/main" xmlns="" w="9525">
+                <a14:hiddenLine xmlns="" xmlns:a14="http://schemas.microsoft.com/office/drawing/2010/main" w="9525">
                   <a:solidFill>
                     <a:srgbClr val="000000"/>
                   </a:solidFill>
@@ -1368,7 +1375,7 @@
             </a:ln>
             <a:extLst>
               <a:ext uri="{91240B29-F687-4f45-9708-019B960494DF}">
-                <a14:hiddenLine xmlns:a14="http://schemas.microsoft.com/office/drawing/2010/main" xmlns="" w="9525">
+                <a14:hiddenLine xmlns="" xmlns:a14="http://schemas.microsoft.com/office/drawing/2010/main" w="9525">
                   <a:solidFill>
                     <a:srgbClr val="000000"/>
                   </a:solidFill>
@@ -1458,7 +1465,7 @@
             </a:ln>
             <a:extLst>
               <a:ext uri="{91240B29-F687-4f45-9708-019B960494DF}">
-                <a14:hiddenLine xmlns:a14="http://schemas.microsoft.com/office/drawing/2010/main" xmlns="" w="9525">
+                <a14:hiddenLine xmlns="" xmlns:a14="http://schemas.microsoft.com/office/drawing/2010/main" w="9525">
                   <a:solidFill>
                     <a:srgbClr val="000000"/>
                   </a:solidFill>
@@ -1520,7 +1527,7 @@
             </a:ln>
             <a:extLst>
               <a:ext uri="{91240B29-F687-4f45-9708-019B960494DF}">
-                <a14:hiddenLine xmlns:a14="http://schemas.microsoft.com/office/drawing/2010/main" xmlns="" w="9525">
+                <a14:hiddenLine xmlns="" xmlns:a14="http://schemas.microsoft.com/office/drawing/2010/main" w="9525">
                   <a:solidFill>
                     <a:srgbClr val="000000"/>
                   </a:solidFill>
@@ -1610,7 +1617,7 @@
             </a:ln>
             <a:extLst>
               <a:ext uri="{91240B29-F687-4f45-9708-019B960494DF}">
-                <a14:hiddenLine xmlns:a14="http://schemas.microsoft.com/office/drawing/2010/main" xmlns="" w="9525">
+                <a14:hiddenLine xmlns="" xmlns:a14="http://schemas.microsoft.com/office/drawing/2010/main" w="9525">
                   <a:solidFill>
                     <a:srgbClr val="000000"/>
                   </a:solidFill>
@@ -1700,7 +1707,7 @@
             </a:ln>
             <a:extLst>
               <a:ext uri="{91240B29-F687-4f45-9708-019B960494DF}">
-                <a14:hiddenLine xmlns:a14="http://schemas.microsoft.com/office/drawing/2010/main" xmlns="" w="9525">
+                <a14:hiddenLine xmlns="" xmlns:a14="http://schemas.microsoft.com/office/drawing/2010/main" w="9525">
                   <a:solidFill>
                     <a:srgbClr val="000000"/>
                   </a:solidFill>
@@ -1756,7 +1763,7 @@
             </a:ln>
             <a:extLst>
               <a:ext uri="{91240B29-F687-4f45-9708-019B960494DF}">
-                <a14:hiddenLine xmlns:a14="http://schemas.microsoft.com/office/drawing/2010/main" xmlns="" w="9525">
+                <a14:hiddenLine xmlns="" xmlns:a14="http://schemas.microsoft.com/office/drawing/2010/main" w="9525">
                   <a:solidFill>
                     <a:srgbClr val="000000"/>
                   </a:solidFill>
@@ -1846,7 +1853,7 @@
             </a:ln>
             <a:extLst>
               <a:ext uri="{91240B29-F687-4f45-9708-019B960494DF}">
-                <a14:hiddenLine xmlns:a14="http://schemas.microsoft.com/office/drawing/2010/main" xmlns="" w="9525">
+                <a14:hiddenLine xmlns="" xmlns:a14="http://schemas.microsoft.com/office/drawing/2010/main" w="9525">
                   <a:solidFill>
                     <a:srgbClr val="000000"/>
                   </a:solidFill>
@@ -1902,7 +1909,7 @@
             </a:ln>
             <a:extLst>
               <a:ext uri="{91240B29-F687-4f45-9708-019B960494DF}">
-                <a14:hiddenLine xmlns:a14="http://schemas.microsoft.com/office/drawing/2010/main" xmlns="" w="9525">
+                <a14:hiddenLine xmlns="" xmlns:a14="http://schemas.microsoft.com/office/drawing/2010/main" w="9525">
                   <a:solidFill>
                     <a:srgbClr val="000000"/>
                   </a:solidFill>
@@ -1992,7 +1999,7 @@
             </a:ln>
             <a:extLst>
               <a:ext uri="{91240B29-F687-4f45-9708-019B960494DF}">
-                <a14:hiddenLine xmlns:a14="http://schemas.microsoft.com/office/drawing/2010/main" xmlns="" w="9525">
+                <a14:hiddenLine xmlns="" xmlns:a14="http://schemas.microsoft.com/office/drawing/2010/main" w="9525">
                   <a:solidFill>
                     <a:srgbClr val="000000"/>
                   </a:solidFill>
@@ -2060,7 +2067,7 @@
             </a:ln>
             <a:extLst>
               <a:ext uri="{91240B29-F687-4f45-9708-019B960494DF}">
-                <a14:hiddenLine xmlns:a14="http://schemas.microsoft.com/office/drawing/2010/main" xmlns="" w="9525">
+                <a14:hiddenLine xmlns="" xmlns:a14="http://schemas.microsoft.com/office/drawing/2010/main" w="9525">
                   <a:solidFill>
                     <a:srgbClr val="000000"/>
                   </a:solidFill>
@@ -2150,7 +2157,7 @@
             </a:ln>
             <a:extLst>
               <a:ext uri="{91240B29-F687-4f45-9708-019B960494DF}">
-                <a14:hiddenLine xmlns:a14="http://schemas.microsoft.com/office/drawing/2010/main" xmlns="" w="9525">
+                <a14:hiddenLine xmlns="" xmlns:a14="http://schemas.microsoft.com/office/drawing/2010/main" w="9525">
                   <a:solidFill>
                     <a:srgbClr val="000000"/>
                   </a:solidFill>
@@ -2218,7 +2225,7 @@
             </a:ln>
             <a:extLst>
               <a:ext uri="{91240B29-F687-4f45-9708-019B960494DF}">
-                <a14:hiddenLine xmlns:a14="http://schemas.microsoft.com/office/drawing/2010/main" xmlns="" w="9525">
+                <a14:hiddenLine xmlns="" xmlns:a14="http://schemas.microsoft.com/office/drawing/2010/main" w="9525">
                   <a:solidFill>
                     <a:srgbClr val="000000"/>
                   </a:solidFill>
@@ -2308,7 +2315,7 @@
             </a:ln>
             <a:extLst>
               <a:ext uri="{91240B29-F687-4f45-9708-019B960494DF}">
-                <a14:hiddenLine xmlns:a14="http://schemas.microsoft.com/office/drawing/2010/main" xmlns="" w="9525">
+                <a14:hiddenLine xmlns="" xmlns:a14="http://schemas.microsoft.com/office/drawing/2010/main" w="9525">
                   <a:solidFill>
                     <a:srgbClr val="000000"/>
                   </a:solidFill>
@@ -2342,7 +2349,7 @@
             </a:ln>
             <a:extLst>
               <a:ext uri="{91240B29-F687-4f45-9708-019B960494DF}">
-                <a14:hiddenLine xmlns:a14="http://schemas.microsoft.com/office/drawing/2010/main" xmlns="" w="9525">
+                <a14:hiddenLine xmlns="" xmlns:a14="http://schemas.microsoft.com/office/drawing/2010/main" w="9525">
                   <a:solidFill>
                     <a:srgbClr val="000000"/>
                   </a:solidFill>
@@ -2432,7 +2439,7 @@
             </a:ln>
             <a:extLst>
               <a:ext uri="{91240B29-F687-4f45-9708-019B960494DF}">
-                <a14:hiddenLine xmlns:a14="http://schemas.microsoft.com/office/drawing/2010/main" xmlns="" w="9525">
+                <a14:hiddenLine xmlns="" xmlns:a14="http://schemas.microsoft.com/office/drawing/2010/main" w="9525">
                   <a:solidFill>
                     <a:srgbClr val="000000"/>
                   </a:solidFill>
@@ -2494,7 +2501,7 @@
             </a:ln>
             <a:extLst>
               <a:ext uri="{91240B29-F687-4f45-9708-019B960494DF}">
-                <a14:hiddenLine xmlns:a14="http://schemas.microsoft.com/office/drawing/2010/main" xmlns="" w="9525">
+                <a14:hiddenLine xmlns="" xmlns:a14="http://schemas.microsoft.com/office/drawing/2010/main" w="9525">
                   <a:solidFill>
                     <a:srgbClr val="000000"/>
                   </a:solidFill>
@@ -2556,7 +2563,7 @@
             </a:ln>
             <a:extLst>
               <a:ext uri="{91240B29-F687-4f45-9708-019B960494DF}">
-                <a14:hiddenLine xmlns:a14="http://schemas.microsoft.com/office/drawing/2010/main" xmlns="" w="9525">
+                <a14:hiddenLine xmlns="" xmlns:a14="http://schemas.microsoft.com/office/drawing/2010/main" w="9525">
                   <a:solidFill>
                     <a:srgbClr val="000000"/>
                   </a:solidFill>
@@ -2646,7 +2653,7 @@
             </a:ln>
             <a:extLst>
               <a:ext uri="{91240B29-F687-4f45-9708-019B960494DF}">
-                <a14:hiddenLine xmlns:a14="http://schemas.microsoft.com/office/drawing/2010/main" xmlns="" w="9525">
+                <a14:hiddenLine xmlns="" xmlns:a14="http://schemas.microsoft.com/office/drawing/2010/main" w="9525">
                   <a:solidFill>
                     <a:srgbClr val="000000"/>
                   </a:solidFill>
@@ -2714,7 +2721,7 @@
             </a:ln>
             <a:extLst>
               <a:ext uri="{91240B29-F687-4f45-9708-019B960494DF}">
-                <a14:hiddenLine xmlns:a14="http://schemas.microsoft.com/office/drawing/2010/main" xmlns="" w="9525">
+                <a14:hiddenLine xmlns="" xmlns:a14="http://schemas.microsoft.com/office/drawing/2010/main" w="9525">
                   <a:solidFill>
                     <a:srgbClr val="000000"/>
                   </a:solidFill>
@@ -2776,7 +2783,7 @@
             </a:ln>
             <a:extLst>
               <a:ext uri="{91240B29-F687-4f45-9708-019B960494DF}">
-                <a14:hiddenLine xmlns:a14="http://schemas.microsoft.com/office/drawing/2010/main" xmlns="" w="9525">
+                <a14:hiddenLine xmlns="" xmlns:a14="http://schemas.microsoft.com/office/drawing/2010/main" w="9525">
                   <a:solidFill>
                     <a:srgbClr val="000000"/>
                   </a:solidFill>
@@ -2866,7 +2873,7 @@
             </a:ln>
             <a:extLst>
               <a:ext uri="{91240B29-F687-4f45-9708-019B960494DF}">
-                <a14:hiddenLine xmlns:a14="http://schemas.microsoft.com/office/drawing/2010/main" xmlns="" w="9525">
+                <a14:hiddenLine xmlns="" xmlns:a14="http://schemas.microsoft.com/office/drawing/2010/main" w="9525">
                   <a:solidFill>
                     <a:srgbClr val="000000"/>
                   </a:solidFill>
@@ -2928,7 +2935,7 @@
             </a:ln>
             <a:extLst>
               <a:ext uri="{91240B29-F687-4f45-9708-019B960494DF}">
-                <a14:hiddenLine xmlns:a14="http://schemas.microsoft.com/office/drawing/2010/main" xmlns="" w="9525">
+                <a14:hiddenLine xmlns="" xmlns:a14="http://schemas.microsoft.com/office/drawing/2010/main" w="9525">
                   <a:solidFill>
                     <a:srgbClr val="000000"/>
                   </a:solidFill>
@@ -3018,7 +3025,7 @@
             </a:ln>
             <a:extLst>
               <a:ext uri="{91240B29-F687-4f45-9708-019B960494DF}">
-                <a14:hiddenLine xmlns:a14="http://schemas.microsoft.com/office/drawing/2010/main" xmlns="" w="9525">
+                <a14:hiddenLine xmlns="" xmlns:a14="http://schemas.microsoft.com/office/drawing/2010/main" w="9525">
                   <a:solidFill>
                     <a:srgbClr val="000000"/>
                   </a:solidFill>
@@ -3080,7 +3087,7 @@
             </a:ln>
             <a:extLst>
               <a:ext uri="{91240B29-F687-4f45-9708-019B960494DF}">
-                <a14:hiddenLine xmlns:a14="http://schemas.microsoft.com/office/drawing/2010/main" xmlns="" w="9525">
+                <a14:hiddenLine xmlns="" xmlns:a14="http://schemas.microsoft.com/office/drawing/2010/main" w="9525">
                   <a:solidFill>
                     <a:srgbClr val="000000"/>
                   </a:solidFill>
@@ -3170,7 +3177,7 @@
             </a:ln>
             <a:extLst>
               <a:ext uri="{91240B29-F687-4f45-9708-019B960494DF}">
-                <a14:hiddenLine xmlns:a14="http://schemas.microsoft.com/office/drawing/2010/main" xmlns="" w="9525">
+                <a14:hiddenLine xmlns="" xmlns:a14="http://schemas.microsoft.com/office/drawing/2010/main" w="9525">
                   <a:solidFill>
                     <a:srgbClr val="000000"/>
                   </a:solidFill>
@@ -3204,7 +3211,7 @@
             </a:ln>
             <a:extLst>
               <a:ext uri="{91240B29-F687-4f45-9708-019B960494DF}">
-                <a14:hiddenLine xmlns:a14="http://schemas.microsoft.com/office/drawing/2010/main" xmlns="" w="9525">
+                <a14:hiddenLine xmlns="" xmlns:a14="http://schemas.microsoft.com/office/drawing/2010/main" w="9525">
                   <a:solidFill>
                     <a:srgbClr val="000000"/>
                   </a:solidFill>
@@ -3269,7 +3276,7 @@
             </a:ln>
             <a:extLst>
               <a:ext uri="{91240B29-F687-4f45-9708-019B960494DF}">
-                <a14:hiddenLine xmlns:a14="http://schemas.microsoft.com/office/drawing/2010/main" xmlns="" w="9525">
+                <a14:hiddenLine xmlns="" xmlns:a14="http://schemas.microsoft.com/office/drawing/2010/main" w="9525">
                   <a:solidFill>
                     <a:srgbClr val="000000"/>
                   </a:solidFill>
@@ -3359,7 +3366,7 @@
             </a:ln>
             <a:extLst>
               <a:ext uri="{91240B29-F687-4f45-9708-019B960494DF}">
-                <a14:hiddenLine xmlns:a14="http://schemas.microsoft.com/office/drawing/2010/main" xmlns="" w="9525">
+                <a14:hiddenLine xmlns="" xmlns:a14="http://schemas.microsoft.com/office/drawing/2010/main" w="9525">
                   <a:solidFill>
                     <a:srgbClr val="000000"/>
                   </a:solidFill>
@@ -3421,7 +3428,7 @@
             </a:ln>
             <a:extLst>
               <a:ext uri="{91240B29-F687-4f45-9708-019B960494DF}">
-                <a14:hiddenLine xmlns:a14="http://schemas.microsoft.com/office/drawing/2010/main" xmlns="" w="9525">
+                <a14:hiddenLine xmlns="" xmlns:a14="http://schemas.microsoft.com/office/drawing/2010/main" w="9525">
                   <a:solidFill>
                     <a:srgbClr val="000000"/>
                   </a:solidFill>
@@ -3511,7 +3518,7 @@
             </a:ln>
             <a:extLst>
               <a:ext uri="{91240B29-F687-4f45-9708-019B960494DF}">
-                <a14:hiddenLine xmlns:a14="http://schemas.microsoft.com/office/drawing/2010/main" xmlns="" w="9525">
+                <a14:hiddenLine xmlns="" xmlns:a14="http://schemas.microsoft.com/office/drawing/2010/main" w="9525">
                   <a:solidFill>
                     <a:srgbClr val="000000"/>
                   </a:solidFill>
@@ -3601,7 +3608,7 @@
             </a:ln>
             <a:extLst>
               <a:ext uri="{91240B29-F687-4f45-9708-019B960494DF}">
-                <a14:hiddenLine xmlns:a14="http://schemas.microsoft.com/office/drawing/2010/main" xmlns="" w="9525">
+                <a14:hiddenLine xmlns="" xmlns:a14="http://schemas.microsoft.com/office/drawing/2010/main" w="9525">
                   <a:solidFill>
                     <a:srgbClr val="000000"/>
                   </a:solidFill>
@@ -3666,7 +3673,7 @@
             </a:ln>
             <a:extLst>
               <a:ext uri="{91240B29-F687-4f45-9708-019B960494DF}">
-                <a14:hiddenLine xmlns:a14="http://schemas.microsoft.com/office/drawing/2010/main" xmlns="" w="9525">
+                <a14:hiddenLine xmlns="" xmlns:a14="http://schemas.microsoft.com/office/drawing/2010/main" w="9525">
                   <a:solidFill>
                     <a:srgbClr val="000000"/>
                   </a:solidFill>
@@ -3728,7 +3735,7 @@
             </a:ln>
             <a:extLst>
               <a:ext uri="{91240B29-F687-4f45-9708-019B960494DF}">
-                <a14:hiddenLine xmlns:a14="http://schemas.microsoft.com/office/drawing/2010/main" xmlns="" w="9525">
+                <a14:hiddenLine xmlns="" xmlns:a14="http://schemas.microsoft.com/office/drawing/2010/main" w="9525">
                   <a:solidFill>
                     <a:srgbClr val="000000"/>
                   </a:solidFill>
@@ -3818,7 +3825,7 @@
             </a:ln>
             <a:extLst>
               <a:ext uri="{91240B29-F687-4f45-9708-019B960494DF}">
-                <a14:hiddenLine xmlns:a14="http://schemas.microsoft.com/office/drawing/2010/main" xmlns="" w="9525">
+                <a14:hiddenLine xmlns="" xmlns:a14="http://schemas.microsoft.com/office/drawing/2010/main" w="9525">
                   <a:solidFill>
                     <a:srgbClr val="000000"/>
                   </a:solidFill>
@@ -3908,7 +3915,7 @@
             </a:ln>
             <a:extLst>
               <a:ext uri="{91240B29-F687-4f45-9708-019B960494DF}">
-                <a14:hiddenLine xmlns:a14="http://schemas.microsoft.com/office/drawing/2010/main" xmlns="" w="9525">
+                <a14:hiddenLine xmlns="" xmlns:a14="http://schemas.microsoft.com/office/drawing/2010/main" w="9525">
                   <a:solidFill>
                     <a:srgbClr val="000000"/>
                   </a:solidFill>
@@ -3970,7 +3977,7 @@
             </a:ln>
             <a:extLst>
               <a:ext uri="{91240B29-F687-4f45-9708-019B960494DF}">
-                <a14:hiddenLine xmlns:a14="http://schemas.microsoft.com/office/drawing/2010/main" xmlns="" w="9525">
+                <a14:hiddenLine xmlns="" xmlns:a14="http://schemas.microsoft.com/office/drawing/2010/main" w="9525">
                   <a:solidFill>
                     <a:srgbClr val="000000"/>
                   </a:solidFill>
@@ -4090,7 +4097,7 @@
             </a:ln>
             <a:extLst>
               <a:ext uri="{91240B29-F687-4f45-9708-019B960494DF}">
-                <a14:hiddenLine xmlns:a14="http://schemas.microsoft.com/office/drawing/2010/main" xmlns="" w="9525">
+                <a14:hiddenLine xmlns="" xmlns:a14="http://schemas.microsoft.com/office/drawing/2010/main" w="9525">
                   <a:solidFill>
                     <a:srgbClr val="000000"/>
                   </a:solidFill>
@@ -4158,7 +4165,7 @@
             </a:ln>
             <a:extLst>
               <a:ext uri="{91240B29-F687-4f45-9708-019B960494DF}">
-                <a14:hiddenLine xmlns:a14="http://schemas.microsoft.com/office/drawing/2010/main" xmlns="" w="9525">
+                <a14:hiddenLine xmlns="" xmlns:a14="http://schemas.microsoft.com/office/drawing/2010/main" w="9525">
                   <a:solidFill>
                     <a:srgbClr val="000000"/>
                   </a:solidFill>
@@ -4248,7 +4255,7 @@
             </a:ln>
             <a:extLst>
               <a:ext uri="{91240B29-F687-4f45-9708-019B960494DF}">
-                <a14:hiddenLine xmlns:a14="http://schemas.microsoft.com/office/drawing/2010/main" xmlns="" w="9525">
+                <a14:hiddenLine xmlns="" xmlns:a14="http://schemas.microsoft.com/office/drawing/2010/main" w="9525">
                   <a:solidFill>
                     <a:srgbClr val="000000"/>
                   </a:solidFill>
@@ -4388,7 +4395,7 @@
           <a:p>
             <a:fld id="{783DF5AB-4C6B-4623-80D6-6A2566B19F6C}" type="datetimeFigureOut">
               <a:rPr lang="en-GB" smtClean="0"/>
-              <a:t>11/03/2022</a:t>
+              <a:t>13/03/2022</a:t>
             </a:fld>
             <a:endParaRPr lang="en-GB"/>
           </a:p>
@@ -4655,7 +4662,7 @@
           <a:p>
             <a:fld id="{783DF5AB-4C6B-4623-80D6-6A2566B19F6C}" type="datetimeFigureOut">
               <a:rPr lang="en-GB" smtClean="0"/>
-              <a:t>11/03/2022</a:t>
+              <a:t>13/03/2022</a:t>
             </a:fld>
             <a:endParaRPr lang="en-GB"/>
           </a:p>
@@ -4851,7 +4858,7 @@
           <a:p>
             <a:fld id="{783DF5AB-4C6B-4623-80D6-6A2566B19F6C}" type="datetimeFigureOut">
               <a:rPr lang="en-GB" smtClean="0"/>
-              <a:t>11/03/2022</a:t>
+              <a:t>13/03/2022</a:t>
             </a:fld>
             <a:endParaRPr lang="en-GB"/>
           </a:p>
@@ -5114,7 +5121,7 @@
           <a:p>
             <a:fld id="{783DF5AB-4C6B-4623-80D6-6A2566B19F6C}" type="datetimeFigureOut">
               <a:rPr lang="en-GB" smtClean="0"/>
-              <a:t>11/03/2022</a:t>
+              <a:t>13/03/2022</a:t>
             </a:fld>
             <a:endParaRPr lang="en-GB"/>
           </a:p>
@@ -5548,7 +5555,7 @@
           <a:p>
             <a:fld id="{783DF5AB-4C6B-4623-80D6-6A2566B19F6C}" type="datetimeFigureOut">
               <a:rPr lang="en-GB" smtClean="0"/>
-              <a:t>11/03/2022</a:t>
+              <a:t>13/03/2022</a:t>
             </a:fld>
             <a:endParaRPr lang="en-GB"/>
           </a:p>
@@ -6094,7 +6101,7 @@
           <a:p>
             <a:fld id="{783DF5AB-4C6B-4623-80D6-6A2566B19F6C}" type="datetimeFigureOut">
               <a:rPr lang="en-GB" smtClean="0"/>
-              <a:t>11/03/2022</a:t>
+              <a:t>13/03/2022</a:t>
             </a:fld>
             <a:endParaRPr lang="en-GB"/>
           </a:p>
@@ -6814,7 +6821,7 @@
           <a:p>
             <a:fld id="{783DF5AB-4C6B-4623-80D6-6A2566B19F6C}" type="datetimeFigureOut">
               <a:rPr lang="en-GB" smtClean="0"/>
-              <a:t>11/03/2022</a:t>
+              <a:t>13/03/2022</a:t>
             </a:fld>
             <a:endParaRPr lang="en-GB"/>
           </a:p>
@@ -6984,7 +6991,7 @@
           <a:p>
             <a:fld id="{783DF5AB-4C6B-4623-80D6-6A2566B19F6C}" type="datetimeFigureOut">
               <a:rPr lang="en-GB" smtClean="0"/>
-              <a:t>11/03/2022</a:t>
+              <a:t>13/03/2022</a:t>
             </a:fld>
             <a:endParaRPr lang="en-GB"/>
           </a:p>
@@ -7164,7 +7171,7 @@
           <a:p>
             <a:fld id="{783DF5AB-4C6B-4623-80D6-6A2566B19F6C}" type="datetimeFigureOut">
               <a:rPr lang="en-GB" smtClean="0"/>
-              <a:t>11/03/2022</a:t>
+              <a:t>13/03/2022</a:t>
             </a:fld>
             <a:endParaRPr lang="en-GB"/>
           </a:p>
@@ -7334,7 +7341,7 @@
           <a:p>
             <a:fld id="{783DF5AB-4C6B-4623-80D6-6A2566B19F6C}" type="datetimeFigureOut">
               <a:rPr lang="en-GB" smtClean="0"/>
-              <a:t>11/03/2022</a:t>
+              <a:t>13/03/2022</a:t>
             </a:fld>
             <a:endParaRPr lang="en-GB"/>
           </a:p>
@@ -7584,7 +7591,7 @@
           <a:p>
             <a:fld id="{783DF5AB-4C6B-4623-80D6-6A2566B19F6C}" type="datetimeFigureOut">
               <a:rPr lang="en-GB" smtClean="0"/>
-              <a:t>11/03/2022</a:t>
+              <a:t>13/03/2022</a:t>
             </a:fld>
             <a:endParaRPr lang="en-GB"/>
           </a:p>
@@ -7816,7 +7823,7 @@
           <a:p>
             <a:fld id="{783DF5AB-4C6B-4623-80D6-6A2566B19F6C}" type="datetimeFigureOut">
               <a:rPr lang="en-GB" smtClean="0"/>
-              <a:t>11/03/2022</a:t>
+              <a:t>13/03/2022</a:t>
             </a:fld>
             <a:endParaRPr lang="en-GB"/>
           </a:p>
@@ -8197,7 +8204,7 @@
           <a:p>
             <a:fld id="{783DF5AB-4C6B-4623-80D6-6A2566B19F6C}" type="datetimeFigureOut">
               <a:rPr lang="en-GB" smtClean="0"/>
-              <a:t>11/03/2022</a:t>
+              <a:t>13/03/2022</a:t>
             </a:fld>
             <a:endParaRPr lang="en-GB"/>
           </a:p>
@@ -8315,7 +8322,7 @@
           <a:p>
             <a:fld id="{783DF5AB-4C6B-4623-80D6-6A2566B19F6C}" type="datetimeFigureOut">
               <a:rPr lang="en-GB" smtClean="0"/>
-              <a:t>11/03/2022</a:t>
+              <a:t>13/03/2022</a:t>
             </a:fld>
             <a:endParaRPr lang="en-GB"/>
           </a:p>
@@ -8410,7 +8417,7 @@
           <a:p>
             <a:fld id="{783DF5AB-4C6B-4623-80D6-6A2566B19F6C}" type="datetimeFigureOut">
               <a:rPr lang="en-GB" smtClean="0"/>
-              <a:t>11/03/2022</a:t>
+              <a:t>13/03/2022</a:t>
             </a:fld>
             <a:endParaRPr lang="en-GB"/>
           </a:p>
@@ -8659,7 +8666,7 @@
           <a:p>
             <a:fld id="{783DF5AB-4C6B-4623-80D6-6A2566B19F6C}" type="datetimeFigureOut">
               <a:rPr lang="en-GB" smtClean="0"/>
-              <a:t>11/03/2022</a:t>
+              <a:t>13/03/2022</a:t>
             </a:fld>
             <a:endParaRPr lang="en-GB"/>
           </a:p>
@@ -8939,7 +8946,7 @@
           <a:p>
             <a:fld id="{783DF5AB-4C6B-4623-80D6-6A2566B19F6C}" type="datetimeFigureOut">
               <a:rPr lang="en-GB" smtClean="0"/>
-              <a:t>11/03/2022</a:t>
+              <a:t>13/03/2022</a:t>
             </a:fld>
             <a:endParaRPr lang="en-GB"/>
           </a:p>
@@ -9055,7 +9062,7 @@
           <a:noFill/>
           <a:extLst>
             <a:ext uri="{909E8E84-426E-40dd-AFC4-6F175D3DCCD1}">
-              <a14:hiddenFill xmlns:a14="http://schemas.microsoft.com/office/drawing/2010/main" xmlns="">
+              <a14:hiddenFill xmlns="" xmlns:a14="http://schemas.microsoft.com/office/drawing/2010/main">
                 <a:solidFill>
                   <a:srgbClr val="FFFFFF"/>
                 </a:solidFill>
@@ -9129,7 +9136,7 @@
               </a:ln>
               <a:extLst>
                 <a:ext uri="{91240B29-F687-4f45-9708-019B960494DF}">
-                  <a14:hiddenLine xmlns:a14="http://schemas.microsoft.com/office/drawing/2010/main" xmlns="" w="9525">
+                  <a14:hiddenLine xmlns="" xmlns:a14="http://schemas.microsoft.com/office/drawing/2010/main" w="9525">
                     <a:solidFill>
                       <a:srgbClr val="000000"/>
                     </a:solidFill>
@@ -9219,7 +9226,7 @@
               </a:ln>
               <a:extLst>
                 <a:ext uri="{91240B29-F687-4f45-9708-019B960494DF}">
-                  <a14:hiddenLine xmlns:a14="http://schemas.microsoft.com/office/drawing/2010/main" xmlns="" w="9525">
+                  <a14:hiddenLine xmlns="" xmlns:a14="http://schemas.microsoft.com/office/drawing/2010/main" w="9525">
                     <a:solidFill>
                       <a:srgbClr val="000000"/>
                     </a:solidFill>
@@ -9309,7 +9316,7 @@
               </a:ln>
               <a:extLst>
                 <a:ext uri="{91240B29-F687-4f45-9708-019B960494DF}">
-                  <a14:hiddenLine xmlns:a14="http://schemas.microsoft.com/office/drawing/2010/main" xmlns="" w="9525">
+                  <a14:hiddenLine xmlns="" xmlns:a14="http://schemas.microsoft.com/office/drawing/2010/main" w="9525">
                     <a:solidFill>
                       <a:srgbClr val="000000"/>
                     </a:solidFill>
@@ -9371,7 +9378,7 @@
               </a:ln>
               <a:extLst>
                 <a:ext uri="{91240B29-F687-4f45-9708-019B960494DF}">
-                  <a14:hiddenLine xmlns:a14="http://schemas.microsoft.com/office/drawing/2010/main" xmlns="" w="9525">
+                  <a14:hiddenLine xmlns="" xmlns:a14="http://schemas.microsoft.com/office/drawing/2010/main" w="9525">
                     <a:solidFill>
                       <a:srgbClr val="000000"/>
                     </a:solidFill>
@@ -9461,7 +9468,7 @@
               </a:ln>
               <a:extLst>
                 <a:ext uri="{91240B29-F687-4f45-9708-019B960494DF}">
-                  <a14:hiddenLine xmlns:a14="http://schemas.microsoft.com/office/drawing/2010/main" xmlns="" w="9525">
+                  <a14:hiddenLine xmlns="" xmlns:a14="http://schemas.microsoft.com/office/drawing/2010/main" w="9525">
                     <a:solidFill>
                       <a:srgbClr val="000000"/>
                     </a:solidFill>
@@ -9523,7 +9530,7 @@
               </a:ln>
               <a:extLst>
                 <a:ext uri="{91240B29-F687-4f45-9708-019B960494DF}">
-                  <a14:hiddenLine xmlns:a14="http://schemas.microsoft.com/office/drawing/2010/main" xmlns="" w="9525">
+                  <a14:hiddenLine xmlns="" xmlns:a14="http://schemas.microsoft.com/office/drawing/2010/main" w="9525">
                     <a:solidFill>
                       <a:srgbClr val="000000"/>
                     </a:solidFill>
@@ -9585,7 +9592,7 @@
               </a:ln>
               <a:extLst>
                 <a:ext uri="{91240B29-F687-4f45-9708-019B960494DF}">
-                  <a14:hiddenLine xmlns:a14="http://schemas.microsoft.com/office/drawing/2010/main" xmlns="" w="9525">
+                  <a14:hiddenLine xmlns="" xmlns:a14="http://schemas.microsoft.com/office/drawing/2010/main" w="9525">
                     <a:solidFill>
                       <a:srgbClr val="000000"/>
                     </a:solidFill>
@@ -9675,7 +9682,7 @@
               </a:ln>
               <a:extLst>
                 <a:ext uri="{91240B29-F687-4f45-9708-019B960494DF}">
-                  <a14:hiddenLine xmlns:a14="http://schemas.microsoft.com/office/drawing/2010/main" xmlns="" w="9525">
+                  <a14:hiddenLine xmlns="" xmlns:a14="http://schemas.microsoft.com/office/drawing/2010/main" w="9525">
                     <a:solidFill>
                       <a:srgbClr val="000000"/>
                     </a:solidFill>
@@ -9765,7 +9772,7 @@
               </a:ln>
               <a:extLst>
                 <a:ext uri="{91240B29-F687-4f45-9708-019B960494DF}">
-                  <a14:hiddenLine xmlns:a14="http://schemas.microsoft.com/office/drawing/2010/main" xmlns="" w="9525">
+                  <a14:hiddenLine xmlns="" xmlns:a14="http://schemas.microsoft.com/office/drawing/2010/main" w="9525">
                     <a:solidFill>
                       <a:srgbClr val="000000"/>
                     </a:solidFill>
@@ -9827,7 +9834,7 @@
               </a:ln>
               <a:extLst>
                 <a:ext uri="{91240B29-F687-4f45-9708-019B960494DF}">
-                  <a14:hiddenLine xmlns:a14="http://schemas.microsoft.com/office/drawing/2010/main" xmlns="" w="9525">
+                  <a14:hiddenLine xmlns="" xmlns:a14="http://schemas.microsoft.com/office/drawing/2010/main" w="9525">
                     <a:solidFill>
                       <a:srgbClr val="000000"/>
                     </a:solidFill>
@@ -9937,7 +9944,7 @@
               </a:ln>
               <a:extLst>
                 <a:ext uri="{91240B29-F687-4f45-9708-019B960494DF}">
-                  <a14:hiddenLine xmlns:a14="http://schemas.microsoft.com/office/drawing/2010/main" xmlns="" w="9525">
+                  <a14:hiddenLine xmlns="" xmlns:a14="http://schemas.microsoft.com/office/drawing/2010/main" w="9525">
                     <a:solidFill>
                       <a:srgbClr val="000000"/>
                     </a:solidFill>
@@ -10021,7 +10028,7 @@
               </a:ln>
               <a:extLst>
                 <a:ext uri="{91240B29-F687-4f45-9708-019B960494DF}">
-                  <a14:hiddenLine xmlns:a14="http://schemas.microsoft.com/office/drawing/2010/main" xmlns="" w="9525">
+                  <a14:hiddenLine xmlns="" xmlns:a14="http://schemas.microsoft.com/office/drawing/2010/main" w="9525">
                     <a:solidFill>
                       <a:srgbClr val="000000"/>
                     </a:solidFill>
@@ -10083,7 +10090,7 @@
               </a:ln>
               <a:extLst>
                 <a:ext uri="{91240B29-F687-4f45-9708-019B960494DF}">
-                  <a14:hiddenLine xmlns:a14="http://schemas.microsoft.com/office/drawing/2010/main" xmlns="" w="9525">
+                  <a14:hiddenLine xmlns="" xmlns:a14="http://schemas.microsoft.com/office/drawing/2010/main" w="9525">
                     <a:solidFill>
                       <a:srgbClr val="000000"/>
                     </a:solidFill>
@@ -10145,7 +10152,7 @@
               </a:ln>
               <a:extLst>
                 <a:ext uri="{91240B29-F687-4f45-9708-019B960494DF}">
-                  <a14:hiddenLine xmlns:a14="http://schemas.microsoft.com/office/drawing/2010/main" xmlns="" w="9525">
+                  <a14:hiddenLine xmlns="" xmlns:a14="http://schemas.microsoft.com/office/drawing/2010/main" w="9525">
                     <a:solidFill>
                       <a:srgbClr val="000000"/>
                     </a:solidFill>
@@ -10235,7 +10242,7 @@
               </a:ln>
               <a:extLst>
                 <a:ext uri="{91240B29-F687-4f45-9708-019B960494DF}">
-                  <a14:hiddenLine xmlns:a14="http://schemas.microsoft.com/office/drawing/2010/main" xmlns="" w="9525">
+                  <a14:hiddenLine xmlns="" xmlns:a14="http://schemas.microsoft.com/office/drawing/2010/main" w="9525">
                     <a:solidFill>
                       <a:srgbClr val="000000"/>
                     </a:solidFill>
@@ -10269,7 +10276,7 @@
               </a:ln>
               <a:extLst>
                 <a:ext uri="{91240B29-F687-4f45-9708-019B960494DF}">
-                  <a14:hiddenLine xmlns:a14="http://schemas.microsoft.com/office/drawing/2010/main" xmlns="" w="9525">
+                  <a14:hiddenLine xmlns="" xmlns:a14="http://schemas.microsoft.com/office/drawing/2010/main" w="9525">
                     <a:solidFill>
                       <a:srgbClr val="000000"/>
                     </a:solidFill>
@@ -10334,7 +10341,7 @@
               </a:ln>
               <a:extLst>
                 <a:ext uri="{91240B29-F687-4f45-9708-019B960494DF}">
-                  <a14:hiddenLine xmlns:a14="http://schemas.microsoft.com/office/drawing/2010/main" xmlns="" w="9525">
+                  <a14:hiddenLine xmlns="" xmlns:a14="http://schemas.microsoft.com/office/drawing/2010/main" w="9525">
                     <a:solidFill>
                       <a:srgbClr val="000000"/>
                     </a:solidFill>
@@ -10424,7 +10431,7 @@
               </a:ln>
               <a:extLst>
                 <a:ext uri="{91240B29-F687-4f45-9708-019B960494DF}">
-                  <a14:hiddenLine xmlns:a14="http://schemas.microsoft.com/office/drawing/2010/main" xmlns="" w="9525">
+                  <a14:hiddenLine xmlns="" xmlns:a14="http://schemas.microsoft.com/office/drawing/2010/main" w="9525">
                     <a:solidFill>
                       <a:srgbClr val="000000"/>
                     </a:solidFill>
@@ -10486,7 +10493,7 @@
               </a:ln>
               <a:extLst>
                 <a:ext uri="{91240B29-F687-4f45-9708-019B960494DF}">
-                  <a14:hiddenLine xmlns:a14="http://schemas.microsoft.com/office/drawing/2010/main" xmlns="" w="9525">
+                  <a14:hiddenLine xmlns="" xmlns:a14="http://schemas.microsoft.com/office/drawing/2010/main" w="9525">
                     <a:solidFill>
                       <a:srgbClr val="000000"/>
                     </a:solidFill>
@@ -10576,7 +10583,7 @@
               </a:ln>
               <a:extLst>
                 <a:ext uri="{91240B29-F687-4f45-9708-019B960494DF}">
-                  <a14:hiddenLine xmlns:a14="http://schemas.microsoft.com/office/drawing/2010/main" xmlns="" w="9525">
+                  <a14:hiddenLine xmlns="" xmlns:a14="http://schemas.microsoft.com/office/drawing/2010/main" w="9525">
                     <a:solidFill>
                       <a:srgbClr val="000000"/>
                     </a:solidFill>
@@ -10641,7 +10648,7 @@
               </a:ln>
               <a:extLst>
                 <a:ext uri="{91240B29-F687-4f45-9708-019B960494DF}">
-                  <a14:hiddenLine xmlns:a14="http://schemas.microsoft.com/office/drawing/2010/main" xmlns="" w="9525">
+                  <a14:hiddenLine xmlns="" xmlns:a14="http://schemas.microsoft.com/office/drawing/2010/main" w="9525">
                     <a:solidFill>
                       <a:srgbClr val="000000"/>
                     </a:solidFill>
@@ -10703,7 +10710,7 @@
               </a:ln>
               <a:extLst>
                 <a:ext uri="{91240B29-F687-4f45-9708-019B960494DF}">
-                  <a14:hiddenLine xmlns:a14="http://schemas.microsoft.com/office/drawing/2010/main" xmlns="" w="9525">
+                  <a14:hiddenLine xmlns="" xmlns:a14="http://schemas.microsoft.com/office/drawing/2010/main" w="9525">
                     <a:solidFill>
                       <a:srgbClr val="000000"/>
                     </a:solidFill>
@@ -10793,7 +10800,7 @@
               </a:ln>
               <a:extLst>
                 <a:ext uri="{91240B29-F687-4f45-9708-019B960494DF}">
-                  <a14:hiddenLine xmlns:a14="http://schemas.microsoft.com/office/drawing/2010/main" xmlns="" w="9525">
+                  <a14:hiddenLine xmlns="" xmlns:a14="http://schemas.microsoft.com/office/drawing/2010/main" w="9525">
                     <a:solidFill>
                       <a:srgbClr val="000000"/>
                     </a:solidFill>
@@ -10883,7 +10890,7 @@
               </a:ln>
               <a:extLst>
                 <a:ext uri="{91240B29-F687-4f45-9708-019B960494DF}">
-                  <a14:hiddenLine xmlns:a14="http://schemas.microsoft.com/office/drawing/2010/main" xmlns="" w="9525">
+                  <a14:hiddenLine xmlns="" xmlns:a14="http://schemas.microsoft.com/office/drawing/2010/main" w="9525">
                     <a:solidFill>
                       <a:srgbClr val="000000"/>
                     </a:solidFill>
@@ -10948,7 +10955,7 @@
               </a:ln>
               <a:extLst>
                 <a:ext uri="{91240B29-F687-4f45-9708-019B960494DF}">
-                  <a14:hiddenLine xmlns:a14="http://schemas.microsoft.com/office/drawing/2010/main" xmlns="" w="9525">
+                  <a14:hiddenLine xmlns="" xmlns:a14="http://schemas.microsoft.com/office/drawing/2010/main" w="9525">
                     <a:solidFill>
                       <a:srgbClr val="000000"/>
                     </a:solidFill>
@@ -11068,7 +11075,7 @@
               </a:ln>
               <a:extLst>
                 <a:ext uri="{91240B29-F687-4f45-9708-019B960494DF}">
-                  <a14:hiddenLine xmlns:a14="http://schemas.microsoft.com/office/drawing/2010/main" xmlns="" w="9525">
+                  <a14:hiddenLine xmlns="" xmlns:a14="http://schemas.microsoft.com/office/drawing/2010/main" w="9525">
                     <a:solidFill>
                       <a:srgbClr val="000000"/>
                     </a:solidFill>
@@ -11166,7 +11173,7 @@
               </a:ln>
               <a:extLst>
                 <a:ext uri="{91240B29-F687-4f45-9708-019B960494DF}">
-                  <a14:hiddenLine xmlns:a14="http://schemas.microsoft.com/office/drawing/2010/main" xmlns="" w="9525">
+                  <a14:hiddenLine xmlns="" xmlns:a14="http://schemas.microsoft.com/office/drawing/2010/main" w="9525">
                     <a:solidFill>
                       <a:srgbClr val="000000"/>
                     </a:solidFill>
@@ -11281,7 +11288,7 @@
               </a:ln>
               <a:extLst>
                 <a:ext uri="{91240B29-F687-4f45-9708-019B960494DF}">
-                  <a14:hiddenLine xmlns:a14="http://schemas.microsoft.com/office/drawing/2010/main" xmlns="" w="9525">
+                  <a14:hiddenLine xmlns="" xmlns:a14="http://schemas.microsoft.com/office/drawing/2010/main" w="9525">
                     <a:solidFill>
                       <a:srgbClr val="000000"/>
                     </a:solidFill>
@@ -11371,7 +11378,7 @@
               </a:ln>
               <a:extLst>
                 <a:ext uri="{91240B29-F687-4f45-9708-019B960494DF}">
-                  <a14:hiddenLine xmlns:a14="http://schemas.microsoft.com/office/drawing/2010/main" xmlns="" w="9525">
+                  <a14:hiddenLine xmlns="" xmlns:a14="http://schemas.microsoft.com/office/drawing/2010/main" w="9525">
                     <a:solidFill>
                       <a:srgbClr val="000000"/>
                     </a:solidFill>
@@ -11436,7 +11443,7 @@
               </a:ln>
               <a:extLst>
                 <a:ext uri="{91240B29-F687-4f45-9708-019B960494DF}">
-                  <a14:hiddenLine xmlns:a14="http://schemas.microsoft.com/office/drawing/2010/main" xmlns="" w="9525">
+                  <a14:hiddenLine xmlns="" xmlns:a14="http://schemas.microsoft.com/office/drawing/2010/main" w="9525">
                     <a:solidFill>
                       <a:srgbClr val="000000"/>
                     </a:solidFill>
@@ -11526,7 +11533,7 @@
               </a:ln>
               <a:extLst>
                 <a:ext uri="{91240B29-F687-4f45-9708-019B960494DF}">
-                  <a14:hiddenLine xmlns:a14="http://schemas.microsoft.com/office/drawing/2010/main" xmlns="" w="9525">
+                  <a14:hiddenLine xmlns="" xmlns:a14="http://schemas.microsoft.com/office/drawing/2010/main" w="9525">
                     <a:solidFill>
                       <a:srgbClr val="000000"/>
                     </a:solidFill>
@@ -11594,7 +11601,7 @@
               </a:ln>
               <a:extLst>
                 <a:ext uri="{91240B29-F687-4f45-9708-019B960494DF}">
-                  <a14:hiddenLine xmlns:a14="http://schemas.microsoft.com/office/drawing/2010/main" xmlns="" w="9525">
+                  <a14:hiddenLine xmlns="" xmlns:a14="http://schemas.microsoft.com/office/drawing/2010/main" w="9525">
                     <a:solidFill>
                       <a:srgbClr val="000000"/>
                     </a:solidFill>
@@ -11684,7 +11691,7 @@
               </a:ln>
               <a:extLst>
                 <a:ext uri="{91240B29-F687-4f45-9708-019B960494DF}">
-                  <a14:hiddenLine xmlns:a14="http://schemas.microsoft.com/office/drawing/2010/main" xmlns="" w="9525">
+                  <a14:hiddenLine xmlns="" xmlns:a14="http://schemas.microsoft.com/office/drawing/2010/main" w="9525">
                     <a:solidFill>
                       <a:srgbClr val="000000"/>
                     </a:solidFill>
@@ -11752,7 +11759,7 @@
               </a:ln>
               <a:extLst>
                 <a:ext uri="{91240B29-F687-4f45-9708-019B960494DF}">
-                  <a14:hiddenLine xmlns:a14="http://schemas.microsoft.com/office/drawing/2010/main" xmlns="" w="9525">
+                  <a14:hiddenLine xmlns="" xmlns:a14="http://schemas.microsoft.com/office/drawing/2010/main" w="9525">
                     <a:solidFill>
                       <a:srgbClr val="000000"/>
                     </a:solidFill>
@@ -11842,7 +11849,7 @@
               </a:ln>
               <a:extLst>
                 <a:ext uri="{91240B29-F687-4f45-9708-019B960494DF}">
-                  <a14:hiddenLine xmlns:a14="http://schemas.microsoft.com/office/drawing/2010/main" xmlns="" w="9525">
+                  <a14:hiddenLine xmlns="" xmlns:a14="http://schemas.microsoft.com/office/drawing/2010/main" w="9525">
                     <a:solidFill>
                       <a:srgbClr val="000000"/>
                     </a:solidFill>
@@ -11876,7 +11883,7 @@
               </a:ln>
               <a:extLst>
                 <a:ext uri="{91240B29-F687-4f45-9708-019B960494DF}">
-                  <a14:hiddenLine xmlns:a14="http://schemas.microsoft.com/office/drawing/2010/main" xmlns="" w="9525">
+                  <a14:hiddenLine xmlns="" xmlns:a14="http://schemas.microsoft.com/office/drawing/2010/main" w="9525">
                     <a:solidFill>
                       <a:srgbClr val="000000"/>
                     </a:solidFill>
@@ -12016,7 +12023,7 @@
           <a:p>
             <a:fld id="{783DF5AB-4C6B-4623-80D6-6A2566B19F6C}" type="datetimeFigureOut">
               <a:rPr lang="en-GB" smtClean="0"/>
-              <a:t>11/03/2022</a:t>
+              <a:t>13/03/2022</a:t>
             </a:fld>
             <a:endParaRPr lang="en-GB"/>
           </a:p>
@@ -12503,8 +12510,8 @@
         </p:nvSpPr>
         <p:spPr>
           <a:xfrm>
-            <a:off x="4558001" y="5940984"/>
-            <a:ext cx="3426726" cy="461665"/>
+            <a:off x="4266463" y="4617641"/>
+            <a:ext cx="3659074" cy="461665"/>
           </a:xfrm>
           <a:prstGeom prst="rect">
             <a:avLst/>
@@ -12520,9 +12527,7 @@
             <a:r>
               <a:rPr lang="en-GB" sz="2400" dirty="0">
                 <a:solidFill>
-                  <a:schemeClr val="bg1">
-                    <a:lumMod val="95000"/>
-                  </a:schemeClr>
+                  <a:srgbClr val="FF0000"/>
                 </a:solidFill>
               </a:rPr>
               <a:t>Jake Bolger – C18395341</a:t>
@@ -12544,7 +12549,7 @@
         </p:nvSpPr>
         <p:spPr>
           <a:xfrm>
-            <a:off x="2607687" y="169100"/>
+            <a:off x="2679526" y="1229352"/>
             <a:ext cx="6832948" cy="1609595"/>
           </a:xfrm>
           <a:prstGeom prst="rect">
@@ -12673,8 +12678,8 @@
         </p:nvSpPr>
         <p:spPr>
           <a:xfrm>
-            <a:off x="1622641" y="1567618"/>
-            <a:ext cx="9669571" cy="5691686"/>
+            <a:off x="739560" y="2316834"/>
+            <a:ext cx="5999446" cy="4246804"/>
           </a:xfrm>
           <a:prstGeom prst="rect">
             <a:avLst/>
@@ -12687,18 +12692,22 @@
           </a:bodyPr>
           <a:lstStyle/>
           <a:p>
-            <a:pPr indent="-285750">
+            <a:pPr lvl="0" indent="-285750">
               <a:lnSpc>
                 <a:spcPct val="107000"/>
               </a:lnSpc>
               <a:spcAft>
                 <a:spcPts val="800"/>
               </a:spcAft>
+              <a:buSzPts val="1000"/>
               <a:buFont typeface="Arial" panose="020B0604020202020204" pitchFamily="34" charset="0"/>
               <a:buChar char="•"/>
+              <a:tabLst>
+                <a:tab pos="457200" algn="l"/>
+              </a:tabLst>
             </a:pPr>
             <a:r>
-              <a:rPr lang="en-GB" sz="2000" dirty="0">
+              <a:rPr lang="en-GB" sz="1200" dirty="0">
                 <a:solidFill>
                   <a:schemeClr val="tx1">
                     <a:lumMod val="95000"/>
@@ -12706,42 +12715,26 @@
                   </a:schemeClr>
                 </a:solidFill>
               </a:rPr>
-              <a:t>Skills research</a:t>
+              <a:t>In-depth knowledge of computer operating systems, hardware and software.</a:t>
             </a:r>
           </a:p>
           <a:p>
-            <a:pPr indent="-285750">
+            <a:pPr lvl="0" indent="-285750">
               <a:lnSpc>
                 <a:spcPct val="107000"/>
               </a:lnSpc>
               <a:spcAft>
                 <a:spcPts val="800"/>
               </a:spcAft>
+              <a:buSzPts val="1000"/>
               <a:buFont typeface="Arial" panose="020B0604020202020204" pitchFamily="34" charset="0"/>
               <a:buChar char="•"/>
-            </a:pPr>
-            <a:endParaRPr lang="en-GB" sz="2000" dirty="0">
-              <a:solidFill>
-                <a:schemeClr val="tx1">
-                  <a:lumMod val="95000"/>
-                  <a:lumOff val="5000"/>
-                </a:schemeClr>
-              </a:solidFill>
-            </a:endParaRPr>
-          </a:p>
-          <a:p>
-            <a:pPr indent="-285750">
-              <a:lnSpc>
-                <a:spcPct val="107000"/>
-              </a:lnSpc>
-              <a:spcAft>
-                <a:spcPts val="800"/>
-              </a:spcAft>
-              <a:buFont typeface="Arial" panose="020B0604020202020204" pitchFamily="34" charset="0"/>
-              <a:buChar char="•"/>
+              <a:tabLst>
+                <a:tab pos="457200" algn="l"/>
+              </a:tabLst>
             </a:pPr>
             <a:r>
-              <a:rPr lang="en-GB" sz="2000" dirty="0">
+              <a:rPr lang="en-GB" sz="1200" dirty="0">
                 <a:solidFill>
                   <a:schemeClr val="tx1">
                     <a:lumMod val="95000"/>
@@ -12749,42 +12742,26 @@
                   </a:schemeClr>
                 </a:solidFill>
               </a:rPr>
-              <a:t>Certifications and Training</a:t>
+              <a:t>First-class problem-solving skills.</a:t>
             </a:r>
           </a:p>
           <a:p>
-            <a:pPr indent="-285750">
+            <a:pPr lvl="0" indent="-285750">
               <a:lnSpc>
                 <a:spcPct val="107000"/>
               </a:lnSpc>
               <a:spcAft>
                 <a:spcPts val="800"/>
               </a:spcAft>
+              <a:buSzPts val="1000"/>
               <a:buFont typeface="Arial" panose="020B0604020202020204" pitchFamily="34" charset="0"/>
               <a:buChar char="•"/>
-            </a:pPr>
-            <a:endParaRPr lang="en-GB" sz="2000" dirty="0">
-              <a:solidFill>
-                <a:schemeClr val="tx1">
-                  <a:lumMod val="95000"/>
-                  <a:lumOff val="5000"/>
-                </a:schemeClr>
-              </a:solidFill>
-            </a:endParaRPr>
-          </a:p>
-          <a:p>
-            <a:pPr indent="-285750">
-              <a:lnSpc>
-                <a:spcPct val="107000"/>
-              </a:lnSpc>
-              <a:spcAft>
-                <a:spcPts val="800"/>
-              </a:spcAft>
-              <a:buFont typeface="Arial" panose="020B0604020202020204" pitchFamily="34" charset="0"/>
-              <a:buChar char="•"/>
+              <a:tabLst>
+                <a:tab pos="457200" algn="l"/>
+              </a:tabLst>
             </a:pPr>
             <a:r>
-              <a:rPr lang="en-GB" sz="2000" dirty="0">
+              <a:rPr lang="en-GB" sz="1200" dirty="0">
                 <a:solidFill>
                   <a:schemeClr val="tx1">
                     <a:lumMod val="95000"/>
@@ -12792,42 +12769,26 @@
                   </a:schemeClr>
                 </a:solidFill>
               </a:rPr>
-              <a:t>Discuss why there is a shortage of security personnel worldwide.</a:t>
+              <a:t>A strong ability to work well under pressure.</a:t>
             </a:r>
           </a:p>
           <a:p>
-            <a:pPr indent="-285750">
+            <a:pPr lvl="0" indent="-285750">
               <a:lnSpc>
                 <a:spcPct val="107000"/>
               </a:lnSpc>
               <a:spcAft>
                 <a:spcPts val="800"/>
               </a:spcAft>
+              <a:buSzPts val="1000"/>
               <a:buFont typeface="Arial" panose="020B0604020202020204" pitchFamily="34" charset="0"/>
               <a:buChar char="•"/>
-            </a:pPr>
-            <a:endParaRPr lang="en-GB" sz="2000" dirty="0">
-              <a:solidFill>
-                <a:schemeClr val="tx1">
-                  <a:lumMod val="95000"/>
-                  <a:lumOff val="5000"/>
-                </a:schemeClr>
-              </a:solidFill>
-            </a:endParaRPr>
-          </a:p>
-          <a:p>
-            <a:pPr indent="-285750">
-              <a:lnSpc>
-                <a:spcPct val="107000"/>
-              </a:lnSpc>
-              <a:spcAft>
-                <a:spcPts val="800"/>
-              </a:spcAft>
-              <a:buFont typeface="Arial" panose="020B0604020202020204" pitchFamily="34" charset="0"/>
-              <a:buChar char="•"/>
+              <a:tabLst>
+                <a:tab pos="457200" algn="l"/>
+              </a:tabLst>
             </a:pPr>
             <a:r>
-              <a:rPr lang="en-GB" sz="2000" dirty="0">
+              <a:rPr lang="en-GB" sz="1200" dirty="0">
                 <a:solidFill>
                   <a:schemeClr val="tx1">
                     <a:lumMod val="95000"/>
@@ -12835,42 +12796,26 @@
                   </a:schemeClr>
                 </a:solidFill>
               </a:rPr>
-              <a:t>What measures/actions should be taken to address this shortage?</a:t>
+              <a:t>Solid telecommunications knowledge.</a:t>
             </a:r>
           </a:p>
           <a:p>
-            <a:pPr indent="-285750">
+            <a:pPr lvl="0" indent="-285750">
               <a:lnSpc>
                 <a:spcPct val="107000"/>
               </a:lnSpc>
               <a:spcAft>
                 <a:spcPts val="800"/>
               </a:spcAft>
+              <a:buSzPts val="1000"/>
               <a:buFont typeface="Arial" panose="020B0604020202020204" pitchFamily="34" charset="0"/>
               <a:buChar char="•"/>
-            </a:pPr>
-            <a:endParaRPr lang="en-GB" sz="2000" dirty="0">
-              <a:solidFill>
-                <a:schemeClr val="tx1">
-                  <a:lumMod val="95000"/>
-                  <a:lumOff val="5000"/>
-                </a:schemeClr>
-              </a:solidFill>
-            </a:endParaRPr>
-          </a:p>
-          <a:p>
-            <a:pPr indent="-285750">
-              <a:lnSpc>
-                <a:spcPct val="107000"/>
-              </a:lnSpc>
-              <a:spcAft>
-                <a:spcPts val="800"/>
-              </a:spcAft>
-              <a:buFont typeface="Arial" panose="020B0604020202020204" pitchFamily="34" charset="0"/>
-              <a:buChar char="•"/>
+              <a:tabLst>
+                <a:tab pos="457200" algn="l"/>
+              </a:tabLst>
             </a:pPr>
             <a:r>
-              <a:rPr lang="en-GB" sz="2000" dirty="0">
+              <a:rPr lang="en-GB" sz="1200" dirty="0">
                 <a:solidFill>
                   <a:schemeClr val="tx1">
                     <a:lumMod val="95000"/>
@@ -12878,41 +12823,225 @@
                   </a:schemeClr>
                 </a:solidFill>
               </a:rPr>
-              <a:t>Do you think you have enough skills to be a security expert? If no, what are you missing and if yes what are your strengths?</a:t>
+              <a:t>Rigorous attention to detail.</a:t>
             </a:r>
           </a:p>
           <a:p>
-            <a:pPr indent="-285750">
+            <a:pPr lvl="0" indent="-285750">
               <a:lnSpc>
                 <a:spcPct val="107000"/>
               </a:lnSpc>
               <a:spcAft>
                 <a:spcPts val="800"/>
               </a:spcAft>
+              <a:buSzPts val="1000"/>
               <a:buFont typeface="Arial" panose="020B0604020202020204" pitchFamily="34" charset="0"/>
               <a:buChar char="•"/>
+              <a:tabLst>
+                <a:tab pos="457200" algn="l"/>
+              </a:tabLst>
             </a:pPr>
-            <a:endParaRPr lang="en-GB" sz="2000" dirty="0">
-              <a:solidFill>
-                <a:schemeClr val="tx1">
-                  <a:lumMod val="95000"/>
-                  <a:lumOff val="5000"/>
-                </a:schemeClr>
-              </a:solidFill>
-            </a:endParaRPr>
-          </a:p>
-          <a:p>
-            <a:pPr marL="285750" indent="-285750">
+            <a:r>
+              <a:rPr lang="en-GB" sz="1200" dirty="0">
+                <a:solidFill>
+                  <a:schemeClr val="tx1">
+                    <a:lumMod val="95000"/>
+                    <a:lumOff val="5000"/>
+                  </a:schemeClr>
+                </a:solidFill>
+              </a:rPr>
+              <a:t>persistence and determination.</a:t>
+            </a:r>
+          </a:p>
+          <a:p>
+            <a:pPr lvl="0" indent="-285750">
               <a:lnSpc>
                 <a:spcPct val="107000"/>
               </a:lnSpc>
               <a:spcAft>
                 <a:spcPts val="800"/>
               </a:spcAft>
+              <a:buSzPts val="1000"/>
               <a:buFont typeface="Arial" panose="020B0604020202020204" pitchFamily="34" charset="0"/>
               <a:buChar char="•"/>
+              <a:tabLst>
+                <a:tab pos="457200" algn="l"/>
+              </a:tabLst>
             </a:pPr>
-            <a:endParaRPr lang="en-GB" sz="1400" dirty="0">
+            <a:r>
+              <a:rPr lang="en-GB" sz="1200" dirty="0">
+                <a:solidFill>
+                  <a:schemeClr val="tx1">
+                    <a:lumMod val="95000"/>
+                    <a:lumOff val="5000"/>
+                  </a:schemeClr>
+                </a:solidFill>
+              </a:rPr>
+              <a:t>Excellent abilities in mathematics.</a:t>
+            </a:r>
+          </a:p>
+          <a:p>
+            <a:pPr lvl="0" indent="-285750">
+              <a:lnSpc>
+                <a:spcPct val="107000"/>
+              </a:lnSpc>
+              <a:spcAft>
+                <a:spcPts val="800"/>
+              </a:spcAft>
+              <a:buSzPts val="1000"/>
+              <a:buFont typeface="Arial" panose="020B0604020202020204" pitchFamily="34" charset="0"/>
+              <a:buChar char="•"/>
+              <a:tabLst>
+                <a:tab pos="457200" algn="l"/>
+              </a:tabLst>
+            </a:pPr>
+            <a:r>
+              <a:rPr lang="en-GB" sz="1200" dirty="0">
+                <a:solidFill>
+                  <a:schemeClr val="tx1">
+                    <a:lumMod val="95000"/>
+                    <a:lumOff val="5000"/>
+                  </a:schemeClr>
+                </a:solidFill>
+              </a:rPr>
+              <a:t>Technical Aptitude.</a:t>
+            </a:r>
+          </a:p>
+          <a:p>
+            <a:pPr lvl="0" indent="-285750">
+              <a:lnSpc>
+                <a:spcPct val="107000"/>
+              </a:lnSpc>
+              <a:spcAft>
+                <a:spcPts val="800"/>
+              </a:spcAft>
+              <a:buSzPts val="1000"/>
+              <a:buFont typeface="Arial" panose="020B0604020202020204" pitchFamily="34" charset="0"/>
+              <a:buChar char="•"/>
+              <a:tabLst>
+                <a:tab pos="457200" algn="l"/>
+              </a:tabLst>
+            </a:pPr>
+            <a:r>
+              <a:rPr lang="en-GB" sz="1200" dirty="0">
+                <a:solidFill>
+                  <a:schemeClr val="tx1">
+                    <a:lumMod val="95000"/>
+                    <a:lumOff val="5000"/>
+                  </a:schemeClr>
+                </a:solidFill>
+              </a:rPr>
+              <a:t>Knowledge of Security Across Various Platforms. ...</a:t>
+            </a:r>
+          </a:p>
+          <a:p>
+            <a:pPr lvl="0" indent="-285750">
+              <a:lnSpc>
+                <a:spcPct val="107000"/>
+              </a:lnSpc>
+              <a:spcAft>
+                <a:spcPts val="800"/>
+              </a:spcAft>
+              <a:buSzPts val="1000"/>
+              <a:buFont typeface="Arial" panose="020B0604020202020204" pitchFamily="34" charset="0"/>
+              <a:buChar char="•"/>
+              <a:tabLst>
+                <a:tab pos="457200" algn="l"/>
+              </a:tabLst>
+            </a:pPr>
+            <a:r>
+              <a:rPr lang="en-GB" sz="1200" dirty="0">
+                <a:solidFill>
+                  <a:schemeClr val="tx1">
+                    <a:lumMod val="95000"/>
+                    <a:lumOff val="5000"/>
+                  </a:schemeClr>
+                </a:solidFill>
+              </a:rPr>
+              <a:t>Communication Skills.</a:t>
+            </a:r>
+          </a:p>
+          <a:p>
+            <a:pPr lvl="0" indent="-285750">
+              <a:lnSpc>
+                <a:spcPct val="107000"/>
+              </a:lnSpc>
+              <a:spcAft>
+                <a:spcPts val="800"/>
+              </a:spcAft>
+              <a:buSzPts val="1000"/>
+              <a:buFont typeface="Arial" panose="020B0604020202020204" pitchFamily="34" charset="0"/>
+              <a:buChar char="•"/>
+              <a:tabLst>
+                <a:tab pos="457200" algn="l"/>
+              </a:tabLst>
+            </a:pPr>
+            <a:r>
+              <a:rPr lang="en-GB" sz="1200" dirty="0">
+                <a:solidFill>
+                  <a:schemeClr val="tx1">
+                    <a:lumMod val="95000"/>
+                    <a:lumOff val="5000"/>
+                  </a:schemeClr>
+                </a:solidFill>
+              </a:rPr>
+              <a:t>Fundamental Computer Forensics Skills.</a:t>
+            </a:r>
+          </a:p>
+          <a:p>
+            <a:pPr lvl="0" indent="-285750">
+              <a:lnSpc>
+                <a:spcPct val="107000"/>
+              </a:lnSpc>
+              <a:spcAft>
+                <a:spcPts val="800"/>
+              </a:spcAft>
+              <a:buSzPts val="1000"/>
+              <a:buFont typeface="Arial" panose="020B0604020202020204" pitchFamily="34" charset="0"/>
+              <a:buChar char="•"/>
+              <a:tabLst>
+                <a:tab pos="457200" algn="l"/>
+              </a:tabLst>
+            </a:pPr>
+            <a:r>
+              <a:rPr lang="en-GB" sz="1200" dirty="0">
+                <a:solidFill>
+                  <a:schemeClr val="tx1">
+                    <a:lumMod val="95000"/>
+                    <a:lumOff val="5000"/>
+                  </a:schemeClr>
+                </a:solidFill>
+              </a:rPr>
+              <a:t>A Desire to Learn. </a:t>
+            </a:r>
+          </a:p>
+          <a:p>
+            <a:pPr lvl="0" indent="-285750">
+              <a:lnSpc>
+                <a:spcPct val="107000"/>
+              </a:lnSpc>
+              <a:spcAft>
+                <a:spcPts val="800"/>
+              </a:spcAft>
+              <a:buSzPts val="1000"/>
+              <a:buFont typeface="Arial" panose="020B0604020202020204" pitchFamily="34" charset="0"/>
+              <a:buChar char="•"/>
+              <a:tabLst>
+                <a:tab pos="457200" algn="l"/>
+              </a:tabLst>
+            </a:pPr>
+            <a:r>
+              <a:rPr lang="en-GB" sz="1200" dirty="0">
+                <a:solidFill>
+                  <a:schemeClr val="tx1">
+                    <a:lumMod val="95000"/>
+                    <a:lumOff val="5000"/>
+                  </a:schemeClr>
+                </a:solidFill>
+              </a:rPr>
+              <a:t>An Understanding of Hacking.</a:t>
+            </a:r>
+            <a:endParaRPr lang="en-GB" sz="1600" dirty="0">
               <a:effectLst/>
               <a:latin typeface="Calibri" panose="020F0502020204030204" pitchFamily="34" charset="0"/>
               <a:ea typeface="Calibri" panose="020F0502020204030204" pitchFamily="34" charset="0"/>
@@ -12937,6 +13066,1284 @@
               <a:cs typeface="Times New Roman" panose="02020603050405020304" pitchFamily="18" charset="0"/>
             </a:endParaRPr>
           </a:p>
+        </p:txBody>
+      </p:sp>
+      <p:sp>
+        <p:nvSpPr>
+          <p:cNvPr id="3" name="TextBox 2">
+            <a:extLst>
+              <a:ext uri="{FF2B5EF4-FFF2-40B4-BE49-F238E27FC236}">
+                <a16:creationId xmlns:a16="http://schemas.microsoft.com/office/drawing/2014/main" id="{B2F46A02-9453-4BF2-B0D6-920032EA16FD}"/>
+              </a:ext>
+            </a:extLst>
+          </p:cNvPr>
+          <p:cNvSpPr txBox="1"/>
+          <p:nvPr/>
+        </p:nvSpPr>
+        <p:spPr>
+          <a:xfrm>
+            <a:off x="7665928" y="1480582"/>
+            <a:ext cx="3181611" cy="646331"/>
+          </a:xfrm>
+          <a:prstGeom prst="rect">
+            <a:avLst/>
+          </a:prstGeom>
+          <a:noFill/>
+        </p:spPr>
+        <p:txBody>
+          <a:bodyPr wrap="square" rtlCol="0">
+            <a:spAutoFit/>
+          </a:bodyPr>
+          <a:lstStyle/>
+          <a:p>
+            <a:r>
+              <a:rPr lang="en-GB" sz="1800" dirty="0">
+                <a:solidFill>
+                  <a:schemeClr val="tx1">
+                    <a:lumMod val="95000"/>
+                    <a:lumOff val="5000"/>
+                  </a:schemeClr>
+                </a:solidFill>
+              </a:rPr>
+              <a:t>Certifications and Training</a:t>
+            </a:r>
+          </a:p>
+          <a:p>
+            <a:endParaRPr lang="en-GB" dirty="0"/>
+          </a:p>
+        </p:txBody>
+      </p:sp>
+      <p:sp>
+        <p:nvSpPr>
+          <p:cNvPr id="6" name="TextBox 5">
+            <a:extLst>
+              <a:ext uri="{FF2B5EF4-FFF2-40B4-BE49-F238E27FC236}">
+                <a16:creationId xmlns:a16="http://schemas.microsoft.com/office/drawing/2014/main" id="{C4262BC4-DB2C-4879-B30E-58170DC6B701}"/>
+              </a:ext>
+            </a:extLst>
+          </p:cNvPr>
+          <p:cNvSpPr txBox="1"/>
+          <p:nvPr/>
+        </p:nvSpPr>
+        <p:spPr>
+          <a:xfrm>
+            <a:off x="2227286" y="1429863"/>
+            <a:ext cx="1624467" cy="373885"/>
+          </a:xfrm>
+          <a:prstGeom prst="rect">
+            <a:avLst/>
+          </a:prstGeom>
+          <a:noFill/>
+        </p:spPr>
+        <p:txBody>
+          <a:bodyPr wrap="square">
+            <a:spAutoFit/>
+          </a:bodyPr>
+          <a:lstStyle/>
+          <a:p>
+            <a:pPr>
+              <a:lnSpc>
+                <a:spcPct val="107000"/>
+              </a:lnSpc>
+              <a:spcAft>
+                <a:spcPts val="800"/>
+              </a:spcAft>
+            </a:pPr>
+            <a:r>
+              <a:rPr lang="en-GB" sz="1800" dirty="0">
+                <a:solidFill>
+                  <a:schemeClr val="tx1">
+                    <a:lumMod val="95000"/>
+                    <a:lumOff val="5000"/>
+                  </a:schemeClr>
+                </a:solidFill>
+              </a:rPr>
+              <a:t>Skills research</a:t>
+            </a:r>
+          </a:p>
+        </p:txBody>
+      </p:sp>
+      <p:cxnSp>
+        <p:nvCxnSpPr>
+          <p:cNvPr id="8" name="Straight Connector 7">
+            <a:extLst>
+              <a:ext uri="{FF2B5EF4-FFF2-40B4-BE49-F238E27FC236}">
+                <a16:creationId xmlns:a16="http://schemas.microsoft.com/office/drawing/2014/main" id="{85307D76-C6C1-4632-8717-5AC2A0A6C0C0}"/>
+              </a:ext>
+            </a:extLst>
+          </p:cNvPr>
+          <p:cNvCxnSpPr>
+            <a:cxnSpLocks/>
+          </p:cNvCxnSpPr>
+          <p:nvPr/>
+        </p:nvCxnSpPr>
+        <p:spPr>
+          <a:xfrm>
+            <a:off x="5918548" y="1480582"/>
+            <a:ext cx="56367" cy="5083056"/>
+          </a:xfrm>
+          <a:prstGeom prst="line">
+            <a:avLst/>
+          </a:prstGeom>
+          <a:ln>
+            <a:solidFill>
+              <a:schemeClr val="tx2"/>
+            </a:solidFill>
+          </a:ln>
+        </p:spPr>
+        <p:style>
+          <a:lnRef idx="1">
+            <a:schemeClr val="accent1"/>
+          </a:lnRef>
+          <a:fillRef idx="0">
+            <a:schemeClr val="accent1"/>
+          </a:fillRef>
+          <a:effectRef idx="0">
+            <a:schemeClr val="accent1"/>
+          </a:effectRef>
+          <a:fontRef idx="minor">
+            <a:schemeClr val="tx1"/>
+          </a:fontRef>
+        </p:style>
+      </p:cxnSp>
+      <p:sp>
+        <p:nvSpPr>
+          <p:cNvPr id="11" name="TextBox 10">
+            <a:extLst>
+              <a:ext uri="{FF2B5EF4-FFF2-40B4-BE49-F238E27FC236}">
+                <a16:creationId xmlns:a16="http://schemas.microsoft.com/office/drawing/2014/main" id="{0FB84CDC-8C78-473A-B413-90D16C67AEF7}"/>
+              </a:ext>
+            </a:extLst>
+          </p:cNvPr>
+          <p:cNvSpPr txBox="1"/>
+          <p:nvPr/>
+        </p:nvSpPr>
+        <p:spPr>
+          <a:xfrm>
+            <a:off x="6461342" y="2316834"/>
+            <a:ext cx="1595503" cy="3785652"/>
+          </a:xfrm>
+          <a:prstGeom prst="rect">
+            <a:avLst/>
+          </a:prstGeom>
+          <a:noFill/>
+        </p:spPr>
+        <p:txBody>
+          <a:bodyPr wrap="square">
+            <a:spAutoFit/>
+          </a:bodyPr>
+          <a:lstStyle/>
+          <a:p>
+            <a:pPr marL="285750" indent="-285750">
+              <a:buFont typeface="Arial" panose="020B0604020202020204" pitchFamily="34" charset="0"/>
+              <a:buChar char="•"/>
+            </a:pPr>
+            <a:r>
+              <a:rPr lang="en-GB" sz="1200" dirty="0">
+                <a:solidFill>
+                  <a:schemeClr val="tx1">
+                    <a:lumMod val="95000"/>
+                    <a:lumOff val="5000"/>
+                  </a:schemeClr>
+                </a:solidFill>
+              </a:rPr>
+              <a:t>CISSP</a:t>
+            </a:r>
+          </a:p>
+          <a:p>
+            <a:pPr marL="285750" indent="-285750">
+              <a:buFont typeface="Arial" panose="020B0604020202020204" pitchFamily="34" charset="0"/>
+              <a:buChar char="•"/>
+            </a:pPr>
+            <a:endParaRPr lang="en-GB" sz="1200" dirty="0">
+              <a:solidFill>
+                <a:schemeClr val="tx1">
+                  <a:lumMod val="95000"/>
+                  <a:lumOff val="5000"/>
+                </a:schemeClr>
+              </a:solidFill>
+            </a:endParaRPr>
+          </a:p>
+          <a:p>
+            <a:pPr marL="285750" indent="-285750">
+              <a:buFont typeface="Arial" panose="020B0604020202020204" pitchFamily="34" charset="0"/>
+              <a:buChar char="•"/>
+            </a:pPr>
+            <a:r>
+              <a:rPr lang="en-GB" sz="1200" dirty="0">
+                <a:solidFill>
+                  <a:schemeClr val="tx1">
+                    <a:lumMod val="95000"/>
+                    <a:lumOff val="5000"/>
+                  </a:schemeClr>
+                </a:solidFill>
+              </a:rPr>
+              <a:t>CISA</a:t>
+            </a:r>
+          </a:p>
+          <a:p>
+            <a:pPr marL="285750" indent="-285750">
+              <a:buFont typeface="Arial" panose="020B0604020202020204" pitchFamily="34" charset="0"/>
+              <a:buChar char="•"/>
+            </a:pPr>
+            <a:endParaRPr lang="en-GB" sz="1200" dirty="0">
+              <a:solidFill>
+                <a:schemeClr val="tx1">
+                  <a:lumMod val="95000"/>
+                  <a:lumOff val="5000"/>
+                </a:schemeClr>
+              </a:solidFill>
+            </a:endParaRPr>
+          </a:p>
+          <a:p>
+            <a:pPr marL="285750" indent="-285750">
+              <a:buFont typeface="Arial" panose="020B0604020202020204" pitchFamily="34" charset="0"/>
+              <a:buChar char="•"/>
+            </a:pPr>
+            <a:r>
+              <a:rPr lang="en-GB" sz="1200" dirty="0">
+                <a:solidFill>
+                  <a:schemeClr val="tx1">
+                    <a:lumMod val="95000"/>
+                    <a:lumOff val="5000"/>
+                  </a:schemeClr>
+                </a:solidFill>
+              </a:rPr>
+              <a:t>CISM</a:t>
+            </a:r>
+          </a:p>
+          <a:p>
+            <a:pPr marL="285750" indent="-285750">
+              <a:buFont typeface="Arial" panose="020B0604020202020204" pitchFamily="34" charset="0"/>
+              <a:buChar char="•"/>
+            </a:pPr>
+            <a:endParaRPr lang="en-GB" sz="1200" dirty="0">
+              <a:solidFill>
+                <a:schemeClr val="tx1">
+                  <a:lumMod val="95000"/>
+                  <a:lumOff val="5000"/>
+                </a:schemeClr>
+              </a:solidFill>
+            </a:endParaRPr>
+          </a:p>
+          <a:p>
+            <a:pPr marL="285750" indent="-285750">
+              <a:buFont typeface="Arial" panose="020B0604020202020204" pitchFamily="34" charset="0"/>
+              <a:buChar char="•"/>
+            </a:pPr>
+            <a:r>
+              <a:rPr lang="en-GB" sz="1200" dirty="0">
+                <a:solidFill>
+                  <a:schemeClr val="tx1">
+                    <a:lumMod val="95000"/>
+                    <a:lumOff val="5000"/>
+                  </a:schemeClr>
+                </a:solidFill>
+              </a:rPr>
+              <a:t>Security+</a:t>
+            </a:r>
+          </a:p>
+          <a:p>
+            <a:pPr marL="285750" indent="-285750">
+              <a:buFont typeface="Arial" panose="020B0604020202020204" pitchFamily="34" charset="0"/>
+              <a:buChar char="•"/>
+            </a:pPr>
+            <a:endParaRPr lang="en-GB" sz="1200" dirty="0">
+              <a:solidFill>
+                <a:schemeClr val="tx1">
+                  <a:lumMod val="95000"/>
+                  <a:lumOff val="5000"/>
+                </a:schemeClr>
+              </a:solidFill>
+            </a:endParaRPr>
+          </a:p>
+          <a:p>
+            <a:pPr marL="285750" indent="-285750">
+              <a:buFont typeface="Arial" panose="020B0604020202020204" pitchFamily="34" charset="0"/>
+              <a:buChar char="•"/>
+            </a:pPr>
+            <a:r>
+              <a:rPr lang="en-GB" sz="1200" dirty="0">
+                <a:solidFill>
+                  <a:schemeClr val="tx1">
+                    <a:lumMod val="95000"/>
+                    <a:lumOff val="5000"/>
+                  </a:schemeClr>
+                </a:solidFill>
+              </a:rPr>
+              <a:t>Certified Ethical Hacker (CEH)</a:t>
+            </a:r>
+          </a:p>
+          <a:p>
+            <a:pPr marL="285750" indent="-285750">
+              <a:buFont typeface="Arial" panose="020B0604020202020204" pitchFamily="34" charset="0"/>
+              <a:buChar char="•"/>
+            </a:pPr>
+            <a:endParaRPr lang="en-GB" sz="1200" dirty="0">
+              <a:solidFill>
+                <a:schemeClr val="tx1">
+                  <a:lumMod val="95000"/>
+                  <a:lumOff val="5000"/>
+                </a:schemeClr>
+              </a:solidFill>
+            </a:endParaRPr>
+          </a:p>
+          <a:p>
+            <a:pPr marL="285750" indent="-285750">
+              <a:buFont typeface="Arial" panose="020B0604020202020204" pitchFamily="34" charset="0"/>
+              <a:buChar char="•"/>
+            </a:pPr>
+            <a:r>
+              <a:rPr lang="en-GB" sz="1200" dirty="0">
+                <a:solidFill>
+                  <a:schemeClr val="tx1">
+                    <a:lumMod val="95000"/>
+                    <a:lumOff val="5000"/>
+                  </a:schemeClr>
+                </a:solidFill>
+              </a:rPr>
+              <a:t>GSEC</a:t>
+            </a:r>
+          </a:p>
+          <a:p>
+            <a:pPr marL="285750" indent="-285750">
+              <a:buFont typeface="Arial" panose="020B0604020202020204" pitchFamily="34" charset="0"/>
+              <a:buChar char="•"/>
+            </a:pPr>
+            <a:endParaRPr lang="en-GB" sz="1200" dirty="0">
+              <a:solidFill>
+                <a:schemeClr val="tx1">
+                  <a:lumMod val="95000"/>
+                  <a:lumOff val="5000"/>
+                </a:schemeClr>
+              </a:solidFill>
+            </a:endParaRPr>
+          </a:p>
+          <a:p>
+            <a:pPr marL="285750" indent="-285750">
+              <a:buFont typeface="Arial" panose="020B0604020202020204" pitchFamily="34" charset="0"/>
+              <a:buChar char="•"/>
+            </a:pPr>
+            <a:r>
+              <a:rPr lang="en-GB" sz="1200" dirty="0">
+                <a:solidFill>
+                  <a:schemeClr val="tx1">
+                    <a:lumMod val="95000"/>
+                    <a:lumOff val="5000"/>
+                  </a:schemeClr>
+                </a:solidFill>
+              </a:rPr>
+              <a:t>SSCP</a:t>
+            </a:r>
+          </a:p>
+          <a:p>
+            <a:pPr marL="285750" indent="-285750">
+              <a:buFont typeface="Arial" panose="020B0604020202020204" pitchFamily="34" charset="0"/>
+              <a:buChar char="•"/>
+            </a:pPr>
+            <a:endParaRPr lang="en-GB" sz="1200" dirty="0">
+              <a:solidFill>
+                <a:schemeClr val="tx1">
+                  <a:lumMod val="95000"/>
+                  <a:lumOff val="5000"/>
+                </a:schemeClr>
+              </a:solidFill>
+            </a:endParaRPr>
+          </a:p>
+          <a:p>
+            <a:pPr marL="285750" indent="-285750">
+              <a:buFont typeface="Arial" panose="020B0604020202020204" pitchFamily="34" charset="0"/>
+              <a:buChar char="•"/>
+            </a:pPr>
+            <a:r>
+              <a:rPr lang="en-GB" sz="1200" dirty="0">
+                <a:solidFill>
+                  <a:schemeClr val="tx1">
+                    <a:lumMod val="95000"/>
+                    <a:lumOff val="5000"/>
+                  </a:schemeClr>
+                </a:solidFill>
+              </a:rPr>
+              <a:t>CASP+</a:t>
+            </a:r>
+          </a:p>
+          <a:p>
+            <a:pPr marL="285750" indent="-285750">
+              <a:buFont typeface="Arial" panose="020B0604020202020204" pitchFamily="34" charset="0"/>
+              <a:buChar char="•"/>
+            </a:pPr>
+            <a:endParaRPr lang="en-GB" sz="1200" dirty="0">
+              <a:solidFill>
+                <a:schemeClr val="tx1">
+                  <a:lumMod val="95000"/>
+                  <a:lumOff val="5000"/>
+                </a:schemeClr>
+              </a:solidFill>
+            </a:endParaRPr>
+          </a:p>
+          <a:p>
+            <a:pPr marL="285750" indent="-285750">
+              <a:buFont typeface="Arial" panose="020B0604020202020204" pitchFamily="34" charset="0"/>
+              <a:buChar char="•"/>
+            </a:pPr>
+            <a:r>
+              <a:rPr lang="en-GB" sz="1200" dirty="0">
+                <a:solidFill>
+                  <a:schemeClr val="tx1">
+                    <a:lumMod val="95000"/>
+                    <a:lumOff val="5000"/>
+                  </a:schemeClr>
+                </a:solidFill>
+              </a:rPr>
+              <a:t>GCIH</a:t>
+            </a:r>
+          </a:p>
+          <a:p>
+            <a:pPr marL="285750" indent="-285750">
+              <a:buFont typeface="Arial" panose="020B0604020202020204" pitchFamily="34" charset="0"/>
+              <a:buChar char="•"/>
+            </a:pPr>
+            <a:endParaRPr lang="en-GB" sz="1200" dirty="0">
+              <a:solidFill>
+                <a:schemeClr val="tx1">
+                  <a:lumMod val="95000"/>
+                  <a:lumOff val="5000"/>
+                </a:schemeClr>
+              </a:solidFill>
+            </a:endParaRPr>
+          </a:p>
+          <a:p>
+            <a:pPr marL="285750" indent="-285750">
+              <a:buFont typeface="Arial" panose="020B0604020202020204" pitchFamily="34" charset="0"/>
+              <a:buChar char="•"/>
+            </a:pPr>
+            <a:r>
+              <a:rPr lang="en-GB" sz="1200" dirty="0">
+                <a:solidFill>
+                  <a:schemeClr val="tx1">
+                    <a:lumMod val="95000"/>
+                    <a:lumOff val="5000"/>
+                  </a:schemeClr>
+                </a:solidFill>
+              </a:rPr>
+              <a:t>OSCP</a:t>
+            </a:r>
+          </a:p>
+        </p:txBody>
+      </p:sp>
+    </p:spTree>
+    <p:extLst>
+      <p:ext uri="{BB962C8B-B14F-4D97-AF65-F5344CB8AC3E}">
+        <p14:creationId xmlns:p14="http://schemas.microsoft.com/office/powerpoint/2010/main" val="458010897"/>
+      </p:ext>
+    </p:extLst>
+  </p:cSld>
+  <p:clrMapOvr>
+    <a:masterClrMapping/>
+  </p:clrMapOvr>
+</p:sld>
+</file>
+
+<file path=ppt/slides/slide3.xml><?xml version="1.0" encoding="utf-8"?>
+<p:sld xmlns:a="http://schemas.openxmlformats.org/drawingml/2006/main" xmlns:r="http://schemas.openxmlformats.org/officeDocument/2006/relationships" xmlns:p="http://schemas.openxmlformats.org/presentationml/2006/main">
+  <p:cSld>
+    <p:spTree>
+      <p:nvGrpSpPr>
+        <p:cNvPr id="1" name=""/>
+        <p:cNvGrpSpPr/>
+        <p:nvPr/>
+      </p:nvGrpSpPr>
+      <p:grpSpPr>
+        <a:xfrm>
+          <a:off x="0" y="0"/>
+          <a:ext cx="0" cy="0"/>
+          <a:chOff x="0" y="0"/>
+          <a:chExt cx="0" cy="0"/>
+        </a:xfrm>
+      </p:grpSpPr>
+      <p:sp>
+        <p:nvSpPr>
+          <p:cNvPr id="3" name="TextBox 2">
+            <a:extLst>
+              <a:ext uri="{FF2B5EF4-FFF2-40B4-BE49-F238E27FC236}">
+                <a16:creationId xmlns:a16="http://schemas.microsoft.com/office/drawing/2014/main" id="{0F5EE8C6-C4DF-4E29-86FA-DC44898C9464}"/>
+              </a:ext>
+            </a:extLst>
+          </p:cNvPr>
+          <p:cNvSpPr txBox="1"/>
+          <p:nvPr/>
+        </p:nvSpPr>
+        <p:spPr>
+          <a:xfrm>
+            <a:off x="1309491" y="1694050"/>
+            <a:ext cx="9794832" cy="4038029"/>
+          </a:xfrm>
+          <a:prstGeom prst="rect">
+            <a:avLst/>
+          </a:prstGeom>
+          <a:noFill/>
+        </p:spPr>
+        <p:txBody>
+          <a:bodyPr wrap="square">
+            <a:spAutoFit/>
+          </a:bodyPr>
+          <a:lstStyle/>
+          <a:p>
+            <a:pPr indent="-285750">
+              <a:lnSpc>
+                <a:spcPct val="107000"/>
+              </a:lnSpc>
+              <a:spcAft>
+                <a:spcPts val="800"/>
+              </a:spcAft>
+              <a:buSzPts val="1000"/>
+              <a:buFont typeface="Arial" panose="020B0604020202020204" pitchFamily="34" charset="0"/>
+              <a:buChar char="•"/>
+              <a:tabLst>
+                <a:tab pos="457200" algn="l"/>
+              </a:tabLst>
+            </a:pPr>
+            <a:r>
+              <a:rPr lang="en-GB" sz="1400" dirty="0">
+                <a:solidFill>
+                  <a:schemeClr val="tx1">
+                    <a:lumMod val="95000"/>
+                    <a:lumOff val="5000"/>
+                  </a:schemeClr>
+                </a:solidFill>
+              </a:rPr>
+              <a:t>lack of corporate security programs</a:t>
+            </a:r>
+          </a:p>
+          <a:p>
+            <a:pPr indent="-285750">
+              <a:lnSpc>
+                <a:spcPct val="107000"/>
+              </a:lnSpc>
+              <a:spcAft>
+                <a:spcPts val="800"/>
+              </a:spcAft>
+              <a:buSzPts val="1000"/>
+              <a:buFont typeface="Arial" panose="020B0604020202020204" pitchFamily="34" charset="0"/>
+              <a:buChar char="•"/>
+              <a:tabLst>
+                <a:tab pos="457200" algn="l"/>
+              </a:tabLst>
+            </a:pPr>
+            <a:endParaRPr lang="en-GB" sz="1400" dirty="0">
+              <a:solidFill>
+                <a:schemeClr val="tx1">
+                  <a:lumMod val="95000"/>
+                  <a:lumOff val="5000"/>
+                </a:schemeClr>
+              </a:solidFill>
+            </a:endParaRPr>
+          </a:p>
+          <a:p>
+            <a:pPr indent="-285750">
+              <a:lnSpc>
+                <a:spcPct val="107000"/>
+              </a:lnSpc>
+              <a:spcAft>
+                <a:spcPts val="800"/>
+              </a:spcAft>
+              <a:buSzPts val="1000"/>
+              <a:buFont typeface="Arial" panose="020B0604020202020204" pitchFamily="34" charset="0"/>
+              <a:buChar char="•"/>
+              <a:tabLst>
+                <a:tab pos="457200" algn="l"/>
+              </a:tabLst>
+            </a:pPr>
+            <a:r>
+              <a:rPr lang="en-GB" sz="1400" dirty="0">
+                <a:solidFill>
+                  <a:schemeClr val="tx1">
+                    <a:lumMod val="95000"/>
+                    <a:lumOff val="5000"/>
+                  </a:schemeClr>
+                </a:solidFill>
+              </a:rPr>
+              <a:t>underfunded security resources </a:t>
+            </a:r>
+          </a:p>
+          <a:p>
+            <a:pPr indent="-285750">
+              <a:lnSpc>
+                <a:spcPct val="107000"/>
+              </a:lnSpc>
+              <a:spcAft>
+                <a:spcPts val="800"/>
+              </a:spcAft>
+              <a:buSzPts val="1000"/>
+              <a:buFont typeface="Arial" panose="020B0604020202020204" pitchFamily="34" charset="0"/>
+              <a:buChar char="•"/>
+              <a:tabLst>
+                <a:tab pos="457200" algn="l"/>
+              </a:tabLst>
+            </a:pPr>
+            <a:endParaRPr lang="en-GB" sz="1400" dirty="0">
+              <a:solidFill>
+                <a:schemeClr val="tx1">
+                  <a:lumMod val="95000"/>
+                  <a:lumOff val="5000"/>
+                </a:schemeClr>
+              </a:solidFill>
+            </a:endParaRPr>
+          </a:p>
+          <a:p>
+            <a:pPr indent="-285750">
+              <a:lnSpc>
+                <a:spcPct val="107000"/>
+              </a:lnSpc>
+              <a:spcAft>
+                <a:spcPts val="800"/>
+              </a:spcAft>
+              <a:buSzPts val="1000"/>
+              <a:buFont typeface="Arial" panose="020B0604020202020204" pitchFamily="34" charset="0"/>
+              <a:buChar char="•"/>
+              <a:tabLst>
+                <a:tab pos="457200" algn="l"/>
+              </a:tabLst>
+            </a:pPr>
+            <a:r>
+              <a:rPr lang="en-GB" sz="1400" dirty="0">
+                <a:solidFill>
+                  <a:schemeClr val="tx1">
+                    <a:lumMod val="95000"/>
+                    <a:lumOff val="5000"/>
+                  </a:schemeClr>
+                </a:solidFill>
+              </a:rPr>
+              <a:t>lack of good tools and protocols </a:t>
+            </a:r>
+          </a:p>
+          <a:p>
+            <a:pPr indent="-285750">
+              <a:lnSpc>
+                <a:spcPct val="107000"/>
+              </a:lnSpc>
+              <a:spcAft>
+                <a:spcPts val="800"/>
+              </a:spcAft>
+              <a:buSzPts val="1000"/>
+              <a:buFont typeface="Arial" panose="020B0604020202020204" pitchFamily="34" charset="0"/>
+              <a:buChar char="•"/>
+              <a:tabLst>
+                <a:tab pos="457200" algn="l"/>
+              </a:tabLst>
+            </a:pPr>
+            <a:endParaRPr lang="en-GB" sz="1400" dirty="0">
+              <a:solidFill>
+                <a:schemeClr val="tx1">
+                  <a:lumMod val="95000"/>
+                  <a:lumOff val="5000"/>
+                </a:schemeClr>
+              </a:solidFill>
+            </a:endParaRPr>
+          </a:p>
+          <a:p>
+            <a:pPr indent="-285750">
+              <a:lnSpc>
+                <a:spcPct val="107000"/>
+              </a:lnSpc>
+              <a:spcAft>
+                <a:spcPts val="800"/>
+              </a:spcAft>
+              <a:buSzPts val="1000"/>
+              <a:buFont typeface="Arial" panose="020B0604020202020204" pitchFamily="34" charset="0"/>
+              <a:buChar char="•"/>
+              <a:tabLst>
+                <a:tab pos="457200" algn="l"/>
+              </a:tabLst>
+            </a:pPr>
+            <a:r>
+              <a:rPr lang="en-GB" sz="1400" dirty="0">
+                <a:solidFill>
+                  <a:schemeClr val="tx1">
+                    <a:lumMod val="95000"/>
+                    <a:lumOff val="5000"/>
+                  </a:schemeClr>
+                </a:solidFill>
+              </a:rPr>
+              <a:t>not enough security patches </a:t>
+            </a:r>
+          </a:p>
+          <a:p>
+            <a:pPr indent="-285750">
+              <a:lnSpc>
+                <a:spcPct val="107000"/>
+              </a:lnSpc>
+              <a:spcAft>
+                <a:spcPts val="800"/>
+              </a:spcAft>
+              <a:buSzPts val="1000"/>
+              <a:buFont typeface="Arial" panose="020B0604020202020204" pitchFamily="34" charset="0"/>
+              <a:buChar char="•"/>
+              <a:tabLst>
+                <a:tab pos="457200" algn="l"/>
+              </a:tabLst>
+            </a:pPr>
+            <a:endParaRPr lang="en-GB" sz="1400" dirty="0">
+              <a:solidFill>
+                <a:schemeClr val="tx1">
+                  <a:lumMod val="95000"/>
+                  <a:lumOff val="5000"/>
+                </a:schemeClr>
+              </a:solidFill>
+            </a:endParaRPr>
+          </a:p>
+          <a:p>
+            <a:pPr indent="-285750">
+              <a:lnSpc>
+                <a:spcPct val="107000"/>
+              </a:lnSpc>
+              <a:spcAft>
+                <a:spcPts val="800"/>
+              </a:spcAft>
+              <a:buSzPts val="1000"/>
+              <a:buFont typeface="Arial" panose="020B0604020202020204" pitchFamily="34" charset="0"/>
+              <a:buChar char="•"/>
+              <a:tabLst>
+                <a:tab pos="457200" algn="l"/>
+              </a:tabLst>
+            </a:pPr>
+            <a:r>
+              <a:rPr lang="en-GB" sz="1400" dirty="0">
+                <a:solidFill>
+                  <a:schemeClr val="tx1">
+                    <a:lumMod val="95000"/>
+                    <a:lumOff val="5000"/>
+                  </a:schemeClr>
+                </a:solidFill>
+              </a:rPr>
+              <a:t>not enough email security practices and finally people who don’t follow the policies of their company in security</a:t>
+            </a:r>
+          </a:p>
+          <a:p>
+            <a:pPr indent="-285750">
+              <a:lnSpc>
+                <a:spcPct val="107000"/>
+              </a:lnSpc>
+              <a:spcAft>
+                <a:spcPts val="800"/>
+              </a:spcAft>
+              <a:buSzPts val="1000"/>
+              <a:buFont typeface="Arial" panose="020B0604020202020204" pitchFamily="34" charset="0"/>
+              <a:buChar char="•"/>
+              <a:tabLst>
+                <a:tab pos="457200" algn="l"/>
+              </a:tabLst>
+            </a:pPr>
+            <a:endParaRPr lang="en-GB" sz="1400" dirty="0">
+              <a:solidFill>
+                <a:schemeClr val="tx1">
+                  <a:lumMod val="95000"/>
+                  <a:lumOff val="5000"/>
+                </a:schemeClr>
+              </a:solidFill>
+            </a:endParaRPr>
+          </a:p>
+          <a:p>
+            <a:pPr indent="-285750">
+              <a:lnSpc>
+                <a:spcPct val="107000"/>
+              </a:lnSpc>
+              <a:spcAft>
+                <a:spcPts val="800"/>
+              </a:spcAft>
+              <a:buSzPts val="1000"/>
+              <a:buFont typeface="Arial" panose="020B0604020202020204" pitchFamily="34" charset="0"/>
+              <a:buChar char="•"/>
+              <a:tabLst>
+                <a:tab pos="457200" algn="l"/>
+              </a:tabLst>
+            </a:pPr>
+            <a:r>
+              <a:rPr lang="en-GB" sz="1400" dirty="0">
+                <a:solidFill>
+                  <a:schemeClr val="tx1">
+                    <a:lumMod val="95000"/>
+                    <a:lumOff val="5000"/>
+                  </a:schemeClr>
+                </a:solidFill>
+              </a:rPr>
+              <a:t>Other reasons are the lack of interest from younger generations, increased number of attacks and not enough skilled defenders</a:t>
+            </a:r>
+          </a:p>
+          <a:p>
+            <a:pPr indent="-285750">
+              <a:lnSpc>
+                <a:spcPct val="107000"/>
+              </a:lnSpc>
+              <a:spcAft>
+                <a:spcPts val="800"/>
+              </a:spcAft>
+              <a:buFont typeface="Arial" panose="020B0604020202020204" pitchFamily="34" charset="0"/>
+              <a:buChar char="•"/>
+            </a:pPr>
+            <a:endParaRPr lang="en-GB" sz="1800" dirty="0">
+              <a:solidFill>
+                <a:schemeClr val="tx1">
+                  <a:lumMod val="95000"/>
+                  <a:lumOff val="5000"/>
+                </a:schemeClr>
+              </a:solidFill>
+            </a:endParaRPr>
+          </a:p>
+        </p:txBody>
+      </p:sp>
+      <p:sp>
+        <p:nvSpPr>
+          <p:cNvPr id="4" name="TextBox 3">
+            <a:extLst>
+              <a:ext uri="{FF2B5EF4-FFF2-40B4-BE49-F238E27FC236}">
+                <a16:creationId xmlns:a16="http://schemas.microsoft.com/office/drawing/2014/main" id="{5FD1C42C-C792-4175-A823-3038D0700A1C}"/>
+              </a:ext>
+            </a:extLst>
+          </p:cNvPr>
+          <p:cNvSpPr txBox="1"/>
+          <p:nvPr/>
+        </p:nvSpPr>
+        <p:spPr>
+          <a:xfrm>
+            <a:off x="2735893" y="344833"/>
+            <a:ext cx="6720214" cy="646331"/>
+          </a:xfrm>
+          <a:prstGeom prst="rect">
+            <a:avLst/>
+          </a:prstGeom>
+          <a:noFill/>
+        </p:spPr>
+        <p:txBody>
+          <a:bodyPr wrap="square" rtlCol="0">
+            <a:spAutoFit/>
+          </a:bodyPr>
+          <a:lstStyle/>
+          <a:p>
+            <a:r>
+              <a:rPr lang="en-GB" sz="1800" dirty="0">
+                <a:solidFill>
+                  <a:schemeClr val="tx1">
+                    <a:lumMod val="95000"/>
+                    <a:lumOff val="5000"/>
+                  </a:schemeClr>
+                </a:solidFill>
+              </a:rPr>
+              <a:t>Discuss why there is a shortage of security personnel worldwide.</a:t>
+            </a:r>
+          </a:p>
+          <a:p>
+            <a:endParaRPr lang="en-GB" dirty="0"/>
+          </a:p>
+        </p:txBody>
+      </p:sp>
+    </p:spTree>
+    <p:extLst>
+      <p:ext uri="{BB962C8B-B14F-4D97-AF65-F5344CB8AC3E}">
+        <p14:creationId xmlns:p14="http://schemas.microsoft.com/office/powerpoint/2010/main" val="1572350501"/>
+      </p:ext>
+    </p:extLst>
+  </p:cSld>
+  <p:clrMapOvr>
+    <a:masterClrMapping/>
+  </p:clrMapOvr>
+</p:sld>
+</file>
+
+<file path=ppt/slides/slide4.xml><?xml version="1.0" encoding="utf-8"?>
+<p:sld xmlns:a="http://schemas.openxmlformats.org/drawingml/2006/main" xmlns:r="http://schemas.openxmlformats.org/officeDocument/2006/relationships" xmlns:p="http://schemas.openxmlformats.org/presentationml/2006/main">
+  <p:cSld>
+    <p:spTree>
+      <p:nvGrpSpPr>
+        <p:cNvPr id="1" name=""/>
+        <p:cNvGrpSpPr/>
+        <p:nvPr/>
+      </p:nvGrpSpPr>
+      <p:grpSpPr>
+        <a:xfrm>
+          <a:off x="0" y="0"/>
+          <a:ext cx="0" cy="0"/>
+          <a:chOff x="0" y="0"/>
+          <a:chExt cx="0" cy="0"/>
+        </a:xfrm>
+      </p:grpSpPr>
+      <p:sp>
+        <p:nvSpPr>
+          <p:cNvPr id="3" name="TextBox 2">
+            <a:extLst>
+              <a:ext uri="{FF2B5EF4-FFF2-40B4-BE49-F238E27FC236}">
+                <a16:creationId xmlns:a16="http://schemas.microsoft.com/office/drawing/2014/main" id="{8D4EE783-0A23-4A81-8532-513EE7814CEC}"/>
+              </a:ext>
+            </a:extLst>
+          </p:cNvPr>
+          <p:cNvSpPr txBox="1"/>
+          <p:nvPr/>
+        </p:nvSpPr>
+        <p:spPr>
+          <a:xfrm>
+            <a:off x="6148713" y="263206"/>
+            <a:ext cx="6103306" cy="1069203"/>
+          </a:xfrm>
+          <a:prstGeom prst="rect">
+            <a:avLst/>
+          </a:prstGeom>
+          <a:noFill/>
+        </p:spPr>
+        <p:txBody>
+          <a:bodyPr wrap="square">
+            <a:spAutoFit/>
+          </a:bodyPr>
+          <a:lstStyle/>
+          <a:p>
+            <a:pPr>
+              <a:lnSpc>
+                <a:spcPct val="107000"/>
+              </a:lnSpc>
+              <a:spcAft>
+                <a:spcPts val="800"/>
+              </a:spcAft>
+            </a:pPr>
+            <a:endParaRPr lang="en-GB" sz="1800" dirty="0">
+              <a:solidFill>
+                <a:schemeClr val="tx1">
+                  <a:lumMod val="95000"/>
+                  <a:lumOff val="5000"/>
+                </a:schemeClr>
+              </a:solidFill>
+            </a:endParaRPr>
+          </a:p>
+          <a:p>
+            <a:pPr>
+              <a:lnSpc>
+                <a:spcPct val="107000"/>
+              </a:lnSpc>
+              <a:spcAft>
+                <a:spcPts val="800"/>
+              </a:spcAft>
+            </a:pPr>
+            <a:r>
+              <a:rPr lang="en-GB" sz="1800" dirty="0">
+                <a:solidFill>
+                  <a:schemeClr val="tx1">
+                    <a:lumMod val="95000"/>
+                    <a:lumOff val="5000"/>
+                  </a:schemeClr>
+                </a:solidFill>
+              </a:rPr>
+              <a:t>Do you think you have enough skills to be a security expert? If no, what are you missing and if yes what are your strengths?</a:t>
+            </a:r>
+          </a:p>
+        </p:txBody>
+      </p:sp>
+      <p:sp>
+        <p:nvSpPr>
+          <p:cNvPr id="5" name="TextBox 4">
+            <a:extLst>
+              <a:ext uri="{FF2B5EF4-FFF2-40B4-BE49-F238E27FC236}">
+                <a16:creationId xmlns:a16="http://schemas.microsoft.com/office/drawing/2014/main" id="{4501CB9A-20C8-4AD6-94FB-FF771B5C0FB5}"/>
+              </a:ext>
+            </a:extLst>
+          </p:cNvPr>
+          <p:cNvSpPr txBox="1"/>
+          <p:nvPr/>
+        </p:nvSpPr>
+        <p:spPr>
+          <a:xfrm>
+            <a:off x="221816" y="797808"/>
+            <a:ext cx="6103306" cy="670248"/>
+          </a:xfrm>
+          <a:prstGeom prst="rect">
+            <a:avLst/>
+          </a:prstGeom>
+          <a:noFill/>
+        </p:spPr>
+        <p:txBody>
+          <a:bodyPr wrap="square">
+            <a:spAutoFit/>
+          </a:bodyPr>
+          <a:lstStyle/>
+          <a:p>
+            <a:pPr>
+              <a:lnSpc>
+                <a:spcPct val="107000"/>
+              </a:lnSpc>
+              <a:spcAft>
+                <a:spcPts val="800"/>
+              </a:spcAft>
+            </a:pPr>
+            <a:r>
+              <a:rPr lang="en-GB" sz="1800" dirty="0">
+                <a:solidFill>
+                  <a:schemeClr val="tx1">
+                    <a:lumMod val="95000"/>
+                    <a:lumOff val="5000"/>
+                  </a:schemeClr>
+                </a:solidFill>
+              </a:rPr>
+              <a:t>What measures/actions should be taken to address this shortage?</a:t>
+            </a:r>
+          </a:p>
+        </p:txBody>
+      </p:sp>
+      <p:cxnSp>
+        <p:nvCxnSpPr>
+          <p:cNvPr id="8" name="Straight Connector 7">
+            <a:extLst>
+              <a:ext uri="{FF2B5EF4-FFF2-40B4-BE49-F238E27FC236}">
+                <a16:creationId xmlns:a16="http://schemas.microsoft.com/office/drawing/2014/main" id="{64B28CCB-4EA9-49AB-BED3-90A13CD6E611}"/>
+              </a:ext>
+            </a:extLst>
+          </p:cNvPr>
+          <p:cNvCxnSpPr>
+            <a:cxnSpLocks/>
+          </p:cNvCxnSpPr>
+          <p:nvPr/>
+        </p:nvCxnSpPr>
+        <p:spPr>
+          <a:xfrm>
+            <a:off x="5866878" y="1468056"/>
+            <a:ext cx="56367" cy="5083056"/>
+          </a:xfrm>
+          <a:prstGeom prst="line">
+            <a:avLst/>
+          </a:prstGeom>
+          <a:ln>
+            <a:solidFill>
+              <a:schemeClr val="tx2"/>
+            </a:solidFill>
+          </a:ln>
+        </p:spPr>
+        <p:style>
+          <a:lnRef idx="1">
+            <a:schemeClr val="accent1"/>
+          </a:lnRef>
+          <a:fillRef idx="0">
+            <a:schemeClr val="accent1"/>
+          </a:fillRef>
+          <a:effectRef idx="0">
+            <a:schemeClr val="accent1"/>
+          </a:effectRef>
+          <a:fontRef idx="minor">
+            <a:schemeClr val="tx1"/>
+          </a:fontRef>
+        </p:style>
+      </p:cxnSp>
+      <p:sp>
+        <p:nvSpPr>
+          <p:cNvPr id="10" name="TextBox 9">
+            <a:extLst>
+              <a:ext uri="{FF2B5EF4-FFF2-40B4-BE49-F238E27FC236}">
+                <a16:creationId xmlns:a16="http://schemas.microsoft.com/office/drawing/2014/main" id="{A0A7E7AC-A8FD-4205-A57D-9702F94360A6}"/>
+              </a:ext>
+            </a:extLst>
+          </p:cNvPr>
+          <p:cNvSpPr txBox="1"/>
+          <p:nvPr/>
+        </p:nvSpPr>
+        <p:spPr>
+          <a:xfrm>
+            <a:off x="315761" y="2226615"/>
+            <a:ext cx="5030243" cy="3243580"/>
+          </a:xfrm>
+          <a:prstGeom prst="rect">
+            <a:avLst/>
+          </a:prstGeom>
+          <a:noFill/>
+        </p:spPr>
+        <p:txBody>
+          <a:bodyPr wrap="square">
+            <a:spAutoFit/>
+          </a:bodyPr>
+          <a:lstStyle/>
+          <a:p>
+            <a:pPr marL="285750" indent="-285750">
+              <a:lnSpc>
+                <a:spcPct val="107000"/>
+              </a:lnSpc>
+              <a:spcAft>
+                <a:spcPts val="800"/>
+              </a:spcAft>
+              <a:buFont typeface="Arial" panose="020B0604020202020204" pitchFamily="34" charset="0"/>
+              <a:buChar char="•"/>
+            </a:pPr>
+            <a:r>
+              <a:rPr lang="en-GB" sz="1200" dirty="0">
+                <a:solidFill>
+                  <a:schemeClr val="tx1">
+                    <a:lumMod val="95000"/>
+                    <a:lumOff val="5000"/>
+                  </a:schemeClr>
+                </a:solidFill>
+              </a:rPr>
+              <a:t>Teaching students should be done through real life scenarios. </a:t>
+            </a:r>
+          </a:p>
+          <a:p>
+            <a:pPr marL="285750" indent="-285750">
+              <a:lnSpc>
+                <a:spcPct val="107000"/>
+              </a:lnSpc>
+              <a:spcAft>
+                <a:spcPts val="800"/>
+              </a:spcAft>
+              <a:buFont typeface="Arial" panose="020B0604020202020204" pitchFamily="34" charset="0"/>
+              <a:buChar char="•"/>
+            </a:pPr>
+            <a:endParaRPr lang="en-GB" sz="1200" dirty="0">
+              <a:solidFill>
+                <a:schemeClr val="tx1">
+                  <a:lumMod val="95000"/>
+                  <a:lumOff val="5000"/>
+                </a:schemeClr>
+              </a:solidFill>
+            </a:endParaRPr>
+          </a:p>
+          <a:p>
+            <a:pPr marL="285750" indent="-285750">
+              <a:lnSpc>
+                <a:spcPct val="107000"/>
+              </a:lnSpc>
+              <a:spcAft>
+                <a:spcPts val="800"/>
+              </a:spcAft>
+              <a:buFont typeface="Arial" panose="020B0604020202020204" pitchFamily="34" charset="0"/>
+              <a:buChar char="•"/>
+            </a:pPr>
+            <a:endParaRPr lang="en-GB" sz="1200" dirty="0">
+              <a:solidFill>
+                <a:schemeClr val="tx1">
+                  <a:lumMod val="95000"/>
+                  <a:lumOff val="5000"/>
+                </a:schemeClr>
+              </a:solidFill>
+            </a:endParaRPr>
+          </a:p>
+          <a:p>
+            <a:pPr marL="285750" indent="-285750">
+              <a:lnSpc>
+                <a:spcPct val="107000"/>
+              </a:lnSpc>
+              <a:spcAft>
+                <a:spcPts val="800"/>
+              </a:spcAft>
+              <a:buFont typeface="Arial" panose="020B0604020202020204" pitchFamily="34" charset="0"/>
+              <a:buChar char="•"/>
+            </a:pPr>
+            <a:endParaRPr lang="en-GB" sz="1200" dirty="0">
+              <a:solidFill>
+                <a:schemeClr val="tx1">
+                  <a:lumMod val="95000"/>
+                  <a:lumOff val="5000"/>
+                </a:schemeClr>
+              </a:solidFill>
+            </a:endParaRPr>
+          </a:p>
+          <a:p>
+            <a:pPr marL="285750" indent="-285750">
+              <a:lnSpc>
+                <a:spcPct val="107000"/>
+              </a:lnSpc>
+              <a:spcAft>
+                <a:spcPts val="800"/>
+              </a:spcAft>
+              <a:buFont typeface="Arial" panose="020B0604020202020204" pitchFamily="34" charset="0"/>
+              <a:buChar char="•"/>
+            </a:pPr>
+            <a:r>
+              <a:rPr lang="en-GB" sz="1200" dirty="0">
+                <a:solidFill>
+                  <a:schemeClr val="tx1">
+                    <a:lumMod val="95000"/>
+                    <a:lumOff val="5000"/>
+                  </a:schemeClr>
+                </a:solidFill>
+              </a:rPr>
+              <a:t>Support mental health and wellness initiatives.</a:t>
+            </a:r>
+          </a:p>
+          <a:p>
+            <a:pPr marL="285750" indent="-285750">
+              <a:lnSpc>
+                <a:spcPct val="107000"/>
+              </a:lnSpc>
+              <a:spcAft>
+                <a:spcPts val="800"/>
+              </a:spcAft>
+              <a:buFont typeface="Arial" panose="020B0604020202020204" pitchFamily="34" charset="0"/>
+              <a:buChar char="•"/>
+            </a:pPr>
+            <a:endParaRPr lang="en-GB" sz="1200" dirty="0">
+              <a:solidFill>
+                <a:schemeClr val="tx1">
+                  <a:lumMod val="95000"/>
+                  <a:lumOff val="5000"/>
+                </a:schemeClr>
+              </a:solidFill>
+            </a:endParaRPr>
+          </a:p>
+          <a:p>
+            <a:pPr marL="285750" indent="-285750">
+              <a:lnSpc>
+                <a:spcPct val="107000"/>
+              </a:lnSpc>
+              <a:spcAft>
+                <a:spcPts val="800"/>
+              </a:spcAft>
+              <a:buFont typeface="Arial" panose="020B0604020202020204" pitchFamily="34" charset="0"/>
+              <a:buChar char="•"/>
+            </a:pPr>
+            <a:endParaRPr lang="en-GB" sz="1200" dirty="0">
+              <a:solidFill>
+                <a:schemeClr val="tx1">
+                  <a:lumMod val="95000"/>
+                  <a:lumOff val="5000"/>
+                </a:schemeClr>
+              </a:solidFill>
+            </a:endParaRPr>
+          </a:p>
+          <a:p>
+            <a:pPr marL="285750" indent="-285750">
+              <a:lnSpc>
+                <a:spcPct val="107000"/>
+              </a:lnSpc>
+              <a:spcAft>
+                <a:spcPts val="800"/>
+              </a:spcAft>
+              <a:buFont typeface="Arial" panose="020B0604020202020204" pitchFamily="34" charset="0"/>
+              <a:buChar char="•"/>
+            </a:pPr>
+            <a:endParaRPr lang="en-GB" sz="1200" dirty="0">
+              <a:solidFill>
+                <a:schemeClr val="tx1">
+                  <a:lumMod val="95000"/>
+                  <a:lumOff val="5000"/>
+                </a:schemeClr>
+              </a:solidFill>
+            </a:endParaRPr>
+          </a:p>
+          <a:p>
+            <a:pPr marL="285750" indent="-285750">
+              <a:lnSpc>
+                <a:spcPct val="107000"/>
+              </a:lnSpc>
+              <a:spcAft>
+                <a:spcPts val="800"/>
+              </a:spcAft>
+              <a:buFont typeface="Arial" panose="020B0604020202020204" pitchFamily="34" charset="0"/>
+              <a:buChar char="•"/>
+            </a:pPr>
+            <a:r>
+              <a:rPr lang="en-GB" sz="1200" dirty="0">
+                <a:solidFill>
+                  <a:schemeClr val="tx1">
+                    <a:lumMod val="95000"/>
+                    <a:lumOff val="5000"/>
+                  </a:schemeClr>
+                </a:solidFill>
+              </a:rPr>
+              <a:t>The last on is invest in employee training and certification. 93% of employees would stay at a company longer if it invested in their career.</a:t>
+            </a:r>
+          </a:p>
           <a:p>
             <a:pPr marL="285750" indent="-285750">
               <a:lnSpc>
@@ -12957,10 +14364,56 @@
           </a:p>
         </p:txBody>
       </p:sp>
+      <p:sp>
+        <p:nvSpPr>
+          <p:cNvPr id="12" name="TextBox 11">
+            <a:extLst>
+              <a:ext uri="{FF2B5EF4-FFF2-40B4-BE49-F238E27FC236}">
+                <a16:creationId xmlns:a16="http://schemas.microsoft.com/office/drawing/2014/main" id="{3736B2C6-C6CD-4179-A224-5F4A0EC4D21B}"/>
+              </a:ext>
+            </a:extLst>
+          </p:cNvPr>
+          <p:cNvSpPr txBox="1"/>
+          <p:nvPr/>
+        </p:nvSpPr>
+        <p:spPr>
+          <a:xfrm>
+            <a:off x="6469695" y="3429000"/>
+            <a:ext cx="4856967" cy="276999"/>
+          </a:xfrm>
+          <a:prstGeom prst="rect">
+            <a:avLst/>
+          </a:prstGeom>
+          <a:noFill/>
+        </p:spPr>
+        <p:txBody>
+          <a:bodyPr wrap="square">
+            <a:spAutoFit/>
+          </a:bodyPr>
+          <a:lstStyle/>
+          <a:p>
+            <a:pPr marL="171450" indent="-171450">
+              <a:buFont typeface="Arial" panose="020B0604020202020204" pitchFamily="34" charset="0"/>
+              <a:buChar char="•"/>
+            </a:pPr>
+            <a:r>
+              <a:rPr lang="en-GB" sz="1200" dirty="0">
+                <a:solidFill>
+                  <a:schemeClr val="tx1">
+                    <a:lumMod val="95000"/>
+                    <a:lumOff val="5000"/>
+                  </a:schemeClr>
+                </a:solidFill>
+              </a:rPr>
+              <a:t>No, although I have a basic understanding of security, I am no expert. </a:t>
+            </a:r>
+          </a:p>
+        </p:txBody>
+      </p:sp>
     </p:spTree>
     <p:extLst>
       <p:ext uri="{BB962C8B-B14F-4D97-AF65-F5344CB8AC3E}">
-        <p14:creationId xmlns:p14="http://schemas.microsoft.com/office/powerpoint/2010/main" val="458010897"/>
+        <p14:creationId xmlns:p14="http://schemas.microsoft.com/office/powerpoint/2010/main" val="1962352896"/>
       </p:ext>
     </p:extLst>
   </p:cSld>
@@ -12970,7 +14423,7 @@
 </p:sld>
 </file>
 
-<file path=ppt/slides/slide3.xml><?xml version="1.0" encoding="utf-8"?>
+<file path=ppt/slides/slide5.xml><?xml version="1.0" encoding="utf-8"?>
 <p:sld xmlns:a="http://schemas.openxmlformats.org/drawingml/2006/main" xmlns:r="http://schemas.openxmlformats.org/officeDocument/2006/relationships" xmlns:p="http://schemas.openxmlformats.org/presentationml/2006/main">
   <p:cSld>
     <p:spTree>
@@ -13043,8 +14496,8 @@
         </p:nvSpPr>
         <p:spPr>
           <a:xfrm>
-            <a:off x="1924311" y="2624295"/>
-            <a:ext cx="6103306" cy="400110"/>
+            <a:off x="2043160" y="1091718"/>
+            <a:ext cx="1896127" cy="400110"/>
           </a:xfrm>
           <a:prstGeom prst="rect">
             <a:avLst/>
@@ -13089,8 +14542,8 @@
         </p:nvSpPr>
         <p:spPr>
           <a:xfrm>
-            <a:off x="1880470" y="4685727"/>
-            <a:ext cx="6103306" cy="400110"/>
+            <a:off x="7905489" y="3028890"/>
+            <a:ext cx="1987811" cy="400110"/>
           </a:xfrm>
           <a:prstGeom prst="rect">
             <a:avLst/>
@@ -13121,545 +14574,81 @@
           </a:p>
         </p:txBody>
       </p:sp>
+      <p:pic>
+        <p:nvPicPr>
+          <p:cNvPr id="5" name="Picture 4" descr="Graphical user interface, application&#10;&#10;Description automatically generated">
+            <a:extLst>
+              <a:ext uri="{FF2B5EF4-FFF2-40B4-BE49-F238E27FC236}">
+                <a16:creationId xmlns:a16="http://schemas.microsoft.com/office/drawing/2014/main" id="{371C37B2-83CA-4A80-BC77-66153CF1BC12}"/>
+              </a:ext>
+            </a:extLst>
+          </p:cNvPr>
+          <p:cNvPicPr>
+            <a:picLocks noChangeAspect="1"/>
+          </p:cNvPicPr>
+          <p:nvPr/>
+        </p:nvPicPr>
+        <p:blipFill>
+          <a:blip r:embed="rId2">
+            <a:extLst>
+              <a:ext uri="{28A0092B-C50C-407E-A947-70E740481C1C}">
+                <a14:useLocalDpi xmlns:a14="http://schemas.microsoft.com/office/drawing/2010/main" val="0"/>
+              </a:ext>
+            </a:extLst>
+          </a:blip>
+          <a:stretch>
+            <a:fillRect/>
+          </a:stretch>
+        </p:blipFill>
+        <p:spPr>
+          <a:xfrm>
+            <a:off x="245494" y="1575647"/>
+            <a:ext cx="5491461" cy="2934336"/>
+          </a:xfrm>
+          <a:prstGeom prst="rect">
+            <a:avLst/>
+          </a:prstGeom>
+        </p:spPr>
+      </p:pic>
+      <p:pic>
+        <p:nvPicPr>
+          <p:cNvPr id="7" name="Picture 6" descr="A screenshot of a computer&#10;&#10;Description automatically generated with medium confidence">
+            <a:extLst>
+              <a:ext uri="{FF2B5EF4-FFF2-40B4-BE49-F238E27FC236}">
+                <a16:creationId xmlns:a16="http://schemas.microsoft.com/office/drawing/2014/main" id="{5D82FBF2-81AE-47C4-9222-315E40A88D1F}"/>
+              </a:ext>
+            </a:extLst>
+          </p:cNvPr>
+          <p:cNvPicPr>
+            <a:picLocks noChangeAspect="1"/>
+          </p:cNvPicPr>
+          <p:nvPr/>
+        </p:nvPicPr>
+        <p:blipFill rotWithShape="1">
+          <a:blip r:embed="rId3" cstate="print">
+            <a:extLst>
+              <a:ext uri="{28A0092B-C50C-407E-A947-70E740481C1C}">
+                <a14:useLocalDpi xmlns:a14="http://schemas.microsoft.com/office/drawing/2010/main" val="0"/>
+              </a:ext>
+            </a:extLst>
+          </a:blip>
+          <a:srcRect t="3626"/>
+          <a:stretch/>
+        </p:blipFill>
+        <p:spPr>
+          <a:xfrm>
+            <a:off x="5945688" y="3663863"/>
+            <a:ext cx="5731510" cy="2827956"/>
+          </a:xfrm>
+          <a:prstGeom prst="rect">
+            <a:avLst/>
+          </a:prstGeom>
+        </p:spPr>
+      </p:pic>
     </p:spTree>
     <p:extLst>
       <p:ext uri="{BB962C8B-B14F-4D97-AF65-F5344CB8AC3E}">
         <p14:creationId xmlns:p14="http://schemas.microsoft.com/office/powerpoint/2010/main" val="3884556438"/>
-      </p:ext>
-    </p:extLst>
-  </p:cSld>
-  <p:clrMapOvr>
-    <a:masterClrMapping/>
-  </p:clrMapOvr>
-</p:sld>
-</file>
-
-<file path=ppt/slides/slide4.xml><?xml version="1.0" encoding="utf-8"?>
-<p:sld xmlns:a="http://schemas.openxmlformats.org/drawingml/2006/main" xmlns:r="http://schemas.openxmlformats.org/officeDocument/2006/relationships" xmlns:p="http://schemas.openxmlformats.org/presentationml/2006/main">
-  <p:cSld>
-    <p:spTree>
-      <p:nvGrpSpPr>
-        <p:cNvPr id="1" name=""/>
-        <p:cNvGrpSpPr/>
-        <p:nvPr/>
-      </p:nvGrpSpPr>
-      <p:grpSpPr>
-        <a:xfrm>
-          <a:off x="0" y="0"/>
-          <a:ext cx="0" cy="0"/>
-          <a:chOff x="0" y="0"/>
-          <a:chExt cx="0" cy="0"/>
-        </a:xfrm>
-      </p:grpSpPr>
-      <p:sp>
-        <p:nvSpPr>
-          <p:cNvPr id="2" name="TextBox 1">
-            <a:extLst>
-              <a:ext uri="{FF2B5EF4-FFF2-40B4-BE49-F238E27FC236}">
-                <a16:creationId xmlns:a16="http://schemas.microsoft.com/office/drawing/2014/main" id="{34469540-846F-4196-8885-6DB4EC063B7D}"/>
-              </a:ext>
-            </a:extLst>
-          </p:cNvPr>
-          <p:cNvSpPr txBox="1"/>
-          <p:nvPr/>
-        </p:nvSpPr>
-        <p:spPr>
-          <a:xfrm>
-            <a:off x="4962394" y="306888"/>
-            <a:ext cx="2759901" cy="830997"/>
-          </a:xfrm>
-          <a:prstGeom prst="rect">
-            <a:avLst/>
-          </a:prstGeom>
-          <a:noFill/>
-        </p:spPr>
-        <p:txBody>
-          <a:bodyPr wrap="square" rtlCol="0">
-            <a:spAutoFit/>
-          </a:bodyPr>
-          <a:lstStyle/>
-          <a:p>
-            <a:r>
-              <a:rPr lang="en-GB" sz="4800" dirty="0">
-                <a:solidFill>
-                  <a:schemeClr val="tx1">
-                    <a:lumMod val="95000"/>
-                    <a:lumOff val="5000"/>
-                  </a:schemeClr>
-                </a:solidFill>
-              </a:rPr>
-              <a:t>PART C</a:t>
-            </a:r>
-          </a:p>
-        </p:txBody>
-      </p:sp>
-      <p:sp>
-        <p:nvSpPr>
-          <p:cNvPr id="3" name="TextBox 2">
-            <a:extLst>
-              <a:ext uri="{FF2B5EF4-FFF2-40B4-BE49-F238E27FC236}">
-                <a16:creationId xmlns:a16="http://schemas.microsoft.com/office/drawing/2014/main" id="{EC957A62-1AE8-42BF-BFA4-7D4C645FD759}"/>
-              </a:ext>
-            </a:extLst>
-          </p:cNvPr>
-          <p:cNvSpPr txBox="1"/>
-          <p:nvPr/>
-        </p:nvSpPr>
-        <p:spPr>
-          <a:xfrm>
-            <a:off x="1897693" y="2141951"/>
-            <a:ext cx="5693080" cy="3447098"/>
-          </a:xfrm>
-          <a:prstGeom prst="rect">
-            <a:avLst/>
-          </a:prstGeom>
-          <a:noFill/>
-        </p:spPr>
-        <p:txBody>
-          <a:bodyPr wrap="square" rtlCol="0">
-            <a:spAutoFit/>
-          </a:bodyPr>
-          <a:lstStyle/>
-          <a:p>
-            <a:pPr marL="285750" indent="-285750">
-              <a:buFont typeface="Arial" panose="020B0604020202020204" pitchFamily="34" charset="0"/>
-              <a:buChar char="•"/>
-            </a:pPr>
-            <a:r>
-              <a:rPr lang="en-GB" sz="2000" dirty="0">
-                <a:solidFill>
-                  <a:schemeClr val="tx1">
-                    <a:lumMod val="95000"/>
-                    <a:lumOff val="5000"/>
-                  </a:schemeClr>
-                </a:solidFill>
-              </a:rPr>
-              <a:t>Operators</a:t>
-            </a:r>
-          </a:p>
-          <a:p>
-            <a:pPr marL="285750" indent="-285750">
-              <a:buFont typeface="Arial" panose="020B0604020202020204" pitchFamily="34" charset="0"/>
-              <a:buChar char="•"/>
-            </a:pPr>
-            <a:endParaRPr lang="en-GB" sz="2000" dirty="0">
-              <a:solidFill>
-                <a:schemeClr val="tx1">
-                  <a:lumMod val="95000"/>
-                  <a:lumOff val="5000"/>
-                </a:schemeClr>
-              </a:solidFill>
-            </a:endParaRPr>
-          </a:p>
-          <a:p>
-            <a:pPr marL="285750" indent="-285750">
-              <a:buFont typeface="Arial" panose="020B0604020202020204" pitchFamily="34" charset="0"/>
-              <a:buChar char="•"/>
-            </a:pPr>
-            <a:endParaRPr lang="en-GB" sz="2000" dirty="0">
-              <a:solidFill>
-                <a:schemeClr val="tx1">
-                  <a:lumMod val="95000"/>
-                  <a:lumOff val="5000"/>
-                </a:schemeClr>
-              </a:solidFill>
-            </a:endParaRPr>
-          </a:p>
-          <a:p>
-            <a:pPr marL="285750" indent="-285750">
-              <a:buFont typeface="Arial" panose="020B0604020202020204" pitchFamily="34" charset="0"/>
-              <a:buChar char="•"/>
-            </a:pPr>
-            <a:endParaRPr lang="en-GB" sz="2000" dirty="0">
-              <a:solidFill>
-                <a:schemeClr val="tx1">
-                  <a:lumMod val="95000"/>
-                  <a:lumOff val="5000"/>
-                </a:schemeClr>
-              </a:solidFill>
-            </a:endParaRPr>
-          </a:p>
-          <a:p>
-            <a:pPr marL="285750" indent="-285750">
-              <a:buFont typeface="Arial" panose="020B0604020202020204" pitchFamily="34" charset="0"/>
-              <a:buChar char="•"/>
-            </a:pPr>
-            <a:r>
-              <a:rPr lang="en-GB" sz="2000" dirty="0">
-                <a:solidFill>
-                  <a:schemeClr val="tx1">
-                    <a:lumMod val="95000"/>
-                    <a:lumOff val="5000"/>
-                  </a:schemeClr>
-                </a:solidFill>
-              </a:rPr>
-              <a:t>Equivalent Operators</a:t>
-            </a:r>
-          </a:p>
-          <a:p>
-            <a:pPr marL="285750" indent="-285750">
-              <a:buFont typeface="Arial" panose="020B0604020202020204" pitchFamily="34" charset="0"/>
-              <a:buChar char="•"/>
-            </a:pPr>
-            <a:endParaRPr lang="en-GB" sz="2000" dirty="0">
-              <a:solidFill>
-                <a:schemeClr val="tx1">
-                  <a:lumMod val="95000"/>
-                  <a:lumOff val="5000"/>
-                </a:schemeClr>
-              </a:solidFill>
-            </a:endParaRPr>
-          </a:p>
-          <a:p>
-            <a:pPr marL="285750" indent="-285750">
-              <a:buFont typeface="Arial" panose="020B0604020202020204" pitchFamily="34" charset="0"/>
-              <a:buChar char="•"/>
-            </a:pPr>
-            <a:endParaRPr lang="en-GB" sz="2000" dirty="0">
-              <a:solidFill>
-                <a:schemeClr val="tx1">
-                  <a:lumMod val="95000"/>
-                  <a:lumOff val="5000"/>
-                </a:schemeClr>
-              </a:solidFill>
-            </a:endParaRPr>
-          </a:p>
-          <a:p>
-            <a:pPr marL="285750" indent="-285750">
-              <a:buFont typeface="Arial" panose="020B0604020202020204" pitchFamily="34" charset="0"/>
-              <a:buChar char="•"/>
-            </a:pPr>
-            <a:endParaRPr lang="en-GB" sz="2000" dirty="0">
-              <a:solidFill>
-                <a:schemeClr val="tx1">
-                  <a:lumMod val="95000"/>
-                  <a:lumOff val="5000"/>
-                </a:schemeClr>
-              </a:solidFill>
-            </a:endParaRPr>
-          </a:p>
-          <a:p>
-            <a:pPr marL="285750" indent="-285750">
-              <a:buFont typeface="Arial" panose="020B0604020202020204" pitchFamily="34" charset="0"/>
-              <a:buChar char="•"/>
-            </a:pPr>
-            <a:r>
-              <a:rPr lang="en-GB" sz="2000" dirty="0">
-                <a:solidFill>
-                  <a:schemeClr val="tx1">
-                    <a:lumMod val="95000"/>
-                    <a:lumOff val="5000"/>
-                  </a:schemeClr>
-                </a:solidFill>
-              </a:rPr>
-              <a:t>Search Engines</a:t>
-            </a:r>
-          </a:p>
-          <a:p>
-            <a:pPr marL="285750" indent="-285750">
-              <a:buFont typeface="Arial" panose="020B0604020202020204" pitchFamily="34" charset="0"/>
-              <a:buChar char="•"/>
-            </a:pPr>
-            <a:endParaRPr lang="en-GB" sz="2000" dirty="0">
-              <a:solidFill>
-                <a:schemeClr val="tx1">
-                  <a:lumMod val="95000"/>
-                  <a:lumOff val="5000"/>
-                </a:schemeClr>
-              </a:solidFill>
-            </a:endParaRPr>
-          </a:p>
-          <a:p>
-            <a:pPr marL="285750" indent="-285750">
-              <a:buFont typeface="Arial" panose="020B0604020202020204" pitchFamily="34" charset="0"/>
-              <a:buChar char="•"/>
-            </a:pPr>
-            <a:endParaRPr lang="en-GB" dirty="0"/>
-          </a:p>
-        </p:txBody>
-      </p:sp>
-    </p:spTree>
-    <p:extLst>
-      <p:ext uri="{BB962C8B-B14F-4D97-AF65-F5344CB8AC3E}">
-        <p14:creationId xmlns:p14="http://schemas.microsoft.com/office/powerpoint/2010/main" val="1169483427"/>
-      </p:ext>
-    </p:extLst>
-  </p:cSld>
-  <p:clrMapOvr>
-    <a:masterClrMapping/>
-  </p:clrMapOvr>
-</p:sld>
-</file>
-
-<file path=ppt/slides/slide5.xml><?xml version="1.0" encoding="utf-8"?>
-<p:sld xmlns:a="http://schemas.openxmlformats.org/drawingml/2006/main" xmlns:r="http://schemas.openxmlformats.org/officeDocument/2006/relationships" xmlns:p="http://schemas.openxmlformats.org/presentationml/2006/main">
-  <p:cSld>
-    <p:spTree>
-      <p:nvGrpSpPr>
-        <p:cNvPr id="1" name=""/>
-        <p:cNvGrpSpPr/>
-        <p:nvPr/>
-      </p:nvGrpSpPr>
-      <p:grpSpPr>
-        <a:xfrm>
-          <a:off x="0" y="0"/>
-          <a:ext cx="0" cy="0"/>
-          <a:chOff x="0" y="0"/>
-          <a:chExt cx="0" cy="0"/>
-        </a:xfrm>
-      </p:grpSpPr>
-      <p:sp>
-        <p:nvSpPr>
-          <p:cNvPr id="2" name="TextBox 1">
-            <a:extLst>
-              <a:ext uri="{FF2B5EF4-FFF2-40B4-BE49-F238E27FC236}">
-                <a16:creationId xmlns:a16="http://schemas.microsoft.com/office/drawing/2014/main" id="{34469540-846F-4196-8885-6DB4EC063B7D}"/>
-              </a:ext>
-            </a:extLst>
-          </p:cNvPr>
-          <p:cNvSpPr txBox="1"/>
-          <p:nvPr/>
-        </p:nvSpPr>
-        <p:spPr>
-          <a:xfrm>
-            <a:off x="2689964" y="325677"/>
-            <a:ext cx="6812072" cy="830997"/>
-          </a:xfrm>
-          <a:prstGeom prst="rect">
-            <a:avLst/>
-          </a:prstGeom>
-          <a:noFill/>
-        </p:spPr>
-        <p:txBody>
-          <a:bodyPr wrap="square" rtlCol="0">
-            <a:spAutoFit/>
-          </a:bodyPr>
-          <a:lstStyle/>
-          <a:p>
-            <a:r>
-              <a:rPr lang="en-GB" sz="4800" dirty="0">
-                <a:solidFill>
-                  <a:schemeClr val="tx1">
-                    <a:lumMod val="95000"/>
-                    <a:lumOff val="5000"/>
-                  </a:schemeClr>
-                </a:solidFill>
-              </a:rPr>
-              <a:t>PART D - VULNERABILITIES</a:t>
-            </a:r>
-          </a:p>
-        </p:txBody>
-      </p:sp>
-      <p:sp>
-        <p:nvSpPr>
-          <p:cNvPr id="4" name="TextBox 3">
-            <a:extLst>
-              <a:ext uri="{FF2B5EF4-FFF2-40B4-BE49-F238E27FC236}">
-                <a16:creationId xmlns:a16="http://schemas.microsoft.com/office/drawing/2014/main" id="{7B510A36-AADB-4B3F-9B08-B8F7B648C98F}"/>
-              </a:ext>
-            </a:extLst>
-          </p:cNvPr>
-          <p:cNvSpPr txBox="1"/>
-          <p:nvPr/>
-        </p:nvSpPr>
-        <p:spPr>
-          <a:xfrm>
-            <a:off x="1684751" y="2192054"/>
-            <a:ext cx="5329825" cy="3447098"/>
-          </a:xfrm>
-          <a:prstGeom prst="rect">
-            <a:avLst/>
-          </a:prstGeom>
-          <a:noFill/>
-        </p:spPr>
-        <p:txBody>
-          <a:bodyPr wrap="square" rtlCol="0">
-            <a:spAutoFit/>
-          </a:bodyPr>
-          <a:lstStyle/>
-          <a:p>
-            <a:pPr marL="285750" indent="-285750">
-              <a:buFont typeface="Arial" panose="020B0604020202020204" pitchFamily="34" charset="0"/>
-              <a:buChar char="•"/>
-            </a:pPr>
-            <a:r>
-              <a:rPr lang="en-GB" sz="2000" dirty="0">
-                <a:solidFill>
-                  <a:schemeClr val="tx1">
-                    <a:lumMod val="95000"/>
-                    <a:lumOff val="5000"/>
-                  </a:schemeClr>
-                </a:solidFill>
-              </a:rPr>
-              <a:t>Injection</a:t>
-            </a:r>
-          </a:p>
-          <a:p>
-            <a:pPr marL="285750" indent="-285750">
-              <a:buFont typeface="Arial" panose="020B0604020202020204" pitchFamily="34" charset="0"/>
-              <a:buChar char="•"/>
-            </a:pPr>
-            <a:r>
-              <a:rPr lang="en-GB" sz="2000" dirty="0">
-                <a:solidFill>
-                  <a:schemeClr val="tx1">
-                    <a:lumMod val="95000"/>
-                    <a:lumOff val="5000"/>
-                  </a:schemeClr>
-                </a:solidFill>
-              </a:rPr>
-              <a:t>Broken Authentication</a:t>
-            </a:r>
-          </a:p>
-          <a:p>
-            <a:pPr marL="285750" indent="-285750">
-              <a:buFont typeface="Arial" panose="020B0604020202020204" pitchFamily="34" charset="0"/>
-              <a:buChar char="•"/>
-            </a:pPr>
-            <a:r>
-              <a:rPr lang="en-GB" sz="2000" dirty="0">
-                <a:solidFill>
-                  <a:schemeClr val="tx1">
-                    <a:lumMod val="95000"/>
-                    <a:lumOff val="5000"/>
-                  </a:schemeClr>
-                </a:solidFill>
-              </a:rPr>
-              <a:t>Sensitive Data Exposure</a:t>
-            </a:r>
-          </a:p>
-          <a:p>
-            <a:pPr marL="285750" indent="-285750">
-              <a:buFont typeface="Arial" panose="020B0604020202020204" pitchFamily="34" charset="0"/>
-              <a:buChar char="•"/>
-            </a:pPr>
-            <a:r>
-              <a:rPr lang="en-GB" sz="2000" dirty="0">
-                <a:solidFill>
-                  <a:schemeClr val="tx1">
-                    <a:lumMod val="95000"/>
-                    <a:lumOff val="5000"/>
-                  </a:schemeClr>
-                </a:solidFill>
-              </a:rPr>
-              <a:t>Broken Access Control</a:t>
-            </a:r>
-          </a:p>
-          <a:p>
-            <a:pPr marL="285750" indent="-285750">
-              <a:buFont typeface="Arial" panose="020B0604020202020204" pitchFamily="34" charset="0"/>
-              <a:buChar char="•"/>
-            </a:pPr>
-            <a:r>
-              <a:rPr lang="en-GB" sz="2000" dirty="0">
-                <a:solidFill>
-                  <a:schemeClr val="tx1">
-                    <a:lumMod val="95000"/>
-                    <a:lumOff val="5000"/>
-                  </a:schemeClr>
-                </a:solidFill>
-              </a:rPr>
-              <a:t>Security Misconfiguration</a:t>
-            </a:r>
-          </a:p>
-          <a:p>
-            <a:pPr marL="285750" indent="-285750">
-              <a:buFont typeface="Arial" panose="020B0604020202020204" pitchFamily="34" charset="0"/>
-              <a:buChar char="•"/>
-            </a:pPr>
-            <a:r>
-              <a:rPr lang="en-GB" sz="2000" dirty="0">
-                <a:solidFill>
-                  <a:schemeClr val="tx1">
-                    <a:lumMod val="95000"/>
-                    <a:lumOff val="5000"/>
-                  </a:schemeClr>
-                </a:solidFill>
-              </a:rPr>
-              <a:t>Cross-Site Scripting</a:t>
-            </a:r>
-          </a:p>
-          <a:p>
-            <a:pPr marL="285750" indent="-285750">
-              <a:buFont typeface="Arial" panose="020B0604020202020204" pitchFamily="34" charset="0"/>
-              <a:buChar char="•"/>
-            </a:pPr>
-            <a:r>
-              <a:rPr lang="en-GB" sz="2000" dirty="0">
-                <a:solidFill>
-                  <a:schemeClr val="tx1">
-                    <a:lumMod val="95000"/>
-                    <a:lumOff val="5000"/>
-                  </a:schemeClr>
-                </a:solidFill>
-              </a:rPr>
-              <a:t>Insecure Direct Object References</a:t>
-            </a:r>
-          </a:p>
-          <a:p>
-            <a:pPr marL="285750" indent="-285750">
-              <a:buFont typeface="Arial" panose="020B0604020202020204" pitchFamily="34" charset="0"/>
-              <a:buChar char="•"/>
-            </a:pPr>
-            <a:r>
-              <a:rPr lang="en-GB" sz="2000" dirty="0">
-                <a:solidFill>
-                  <a:schemeClr val="tx1">
-                    <a:lumMod val="95000"/>
-                    <a:lumOff val="5000"/>
-                  </a:schemeClr>
-                </a:solidFill>
-              </a:rPr>
-              <a:t>Cross-Site Request Forgery</a:t>
-            </a:r>
-          </a:p>
-          <a:p>
-            <a:pPr marL="285750" indent="-285750">
-              <a:buFont typeface="Arial" panose="020B0604020202020204" pitchFamily="34" charset="0"/>
-              <a:buChar char="•"/>
-            </a:pPr>
-            <a:r>
-              <a:rPr lang="en-GB" sz="2000" dirty="0">
-                <a:solidFill>
-                  <a:schemeClr val="tx1">
-                    <a:lumMod val="95000"/>
-                    <a:lumOff val="5000"/>
-                  </a:schemeClr>
-                </a:solidFill>
-              </a:rPr>
-              <a:t>Using Components with Known Vulnerabilities</a:t>
-            </a:r>
-          </a:p>
-          <a:p>
-            <a:pPr marL="285750" indent="-285750">
-              <a:buFont typeface="Arial" panose="020B0604020202020204" pitchFamily="34" charset="0"/>
-              <a:buChar char="•"/>
-            </a:pPr>
-            <a:r>
-              <a:rPr lang="en-GB" sz="2000" dirty="0">
-                <a:solidFill>
-                  <a:schemeClr val="tx1">
-                    <a:lumMod val="95000"/>
-                    <a:lumOff val="5000"/>
-                  </a:schemeClr>
-                </a:solidFill>
-              </a:rPr>
-              <a:t>Insufficient Logging &amp; Monitoring</a:t>
-            </a:r>
-          </a:p>
-          <a:p>
-            <a:pPr marL="285750" indent="-285750">
-              <a:buFont typeface="Arial" panose="020B0604020202020204" pitchFamily="34" charset="0"/>
-              <a:buChar char="•"/>
-            </a:pPr>
-            <a:endParaRPr lang="en-GB" dirty="0"/>
-          </a:p>
-        </p:txBody>
-      </p:sp>
-    </p:spTree>
-    <p:extLst>
-      <p:ext uri="{BB962C8B-B14F-4D97-AF65-F5344CB8AC3E}">
-        <p14:creationId xmlns:p14="http://schemas.microsoft.com/office/powerpoint/2010/main" val="3658715283"/>
       </p:ext>
     </p:extLst>
   </p:cSld>
@@ -13723,6 +14712,998 @@
                   </a:schemeClr>
                 </a:solidFill>
               </a:rPr>
+              <a:t>PART C</a:t>
+            </a:r>
+          </a:p>
+        </p:txBody>
+      </p:sp>
+      <p:pic>
+        <p:nvPicPr>
+          <p:cNvPr id="5" name="Picture 4">
+            <a:extLst>
+              <a:ext uri="{FF2B5EF4-FFF2-40B4-BE49-F238E27FC236}">
+                <a16:creationId xmlns:a16="http://schemas.microsoft.com/office/drawing/2014/main" id="{63320063-F00F-4D6A-B0C8-4FCB26067D39}"/>
+              </a:ext>
+            </a:extLst>
+          </p:cNvPr>
+          <p:cNvPicPr>
+            <a:picLocks noChangeAspect="1"/>
+          </p:cNvPicPr>
+          <p:nvPr/>
+        </p:nvPicPr>
+        <p:blipFill>
+          <a:blip r:embed="rId2">
+            <a:extLst>
+              <a:ext uri="{28A0092B-C50C-407E-A947-70E740481C1C}">
+                <a14:useLocalDpi xmlns:a14="http://schemas.microsoft.com/office/drawing/2010/main" val="0"/>
+              </a:ext>
+            </a:extLst>
+          </a:blip>
+          <a:stretch>
+            <a:fillRect/>
+          </a:stretch>
+        </p:blipFill>
+        <p:spPr>
+          <a:xfrm>
+            <a:off x="1719397" y="1441500"/>
+            <a:ext cx="2781541" cy="213378"/>
+          </a:xfrm>
+          <a:prstGeom prst="rect">
+            <a:avLst/>
+          </a:prstGeom>
+        </p:spPr>
+      </p:pic>
+      <p:pic>
+        <p:nvPicPr>
+          <p:cNvPr id="7" name="Picture 6">
+            <a:extLst>
+              <a:ext uri="{FF2B5EF4-FFF2-40B4-BE49-F238E27FC236}">
+                <a16:creationId xmlns:a16="http://schemas.microsoft.com/office/drawing/2014/main" id="{F98A277E-4F44-496C-AD86-AFD314AB05E7}"/>
+              </a:ext>
+            </a:extLst>
+          </p:cNvPr>
+          <p:cNvPicPr>
+            <a:picLocks noChangeAspect="1"/>
+          </p:cNvPicPr>
+          <p:nvPr/>
+        </p:nvPicPr>
+        <p:blipFill>
+          <a:blip r:embed="rId3">
+            <a:extLst>
+              <a:ext uri="{28A0092B-C50C-407E-A947-70E740481C1C}">
+                <a14:useLocalDpi xmlns:a14="http://schemas.microsoft.com/office/drawing/2010/main" val="0"/>
+              </a:ext>
+            </a:extLst>
+          </a:blip>
+          <a:stretch>
+            <a:fillRect/>
+          </a:stretch>
+        </p:blipFill>
+        <p:spPr>
+          <a:xfrm>
+            <a:off x="2214556" y="2196546"/>
+            <a:ext cx="1516511" cy="243861"/>
+          </a:xfrm>
+          <a:prstGeom prst="rect">
+            <a:avLst/>
+          </a:prstGeom>
+        </p:spPr>
+      </p:pic>
+      <p:pic>
+        <p:nvPicPr>
+          <p:cNvPr id="9" name="Picture 8">
+            <a:extLst>
+              <a:ext uri="{FF2B5EF4-FFF2-40B4-BE49-F238E27FC236}">
+                <a16:creationId xmlns:a16="http://schemas.microsoft.com/office/drawing/2014/main" id="{6CB82208-2304-4078-A494-1D60C52AD000}"/>
+              </a:ext>
+            </a:extLst>
+          </p:cNvPr>
+          <p:cNvPicPr>
+            <a:picLocks noChangeAspect="1"/>
+          </p:cNvPicPr>
+          <p:nvPr/>
+        </p:nvPicPr>
+        <p:blipFill>
+          <a:blip r:embed="rId4">
+            <a:extLst>
+              <a:ext uri="{28A0092B-C50C-407E-A947-70E740481C1C}">
+                <a14:useLocalDpi xmlns:a14="http://schemas.microsoft.com/office/drawing/2010/main" val="0"/>
+              </a:ext>
+            </a:extLst>
+          </a:blip>
+          <a:stretch>
+            <a:fillRect/>
+          </a:stretch>
+        </p:blipFill>
+        <p:spPr>
+          <a:xfrm>
+            <a:off x="832388" y="1718608"/>
+            <a:ext cx="1920406" cy="327688"/>
+          </a:xfrm>
+          <a:prstGeom prst="rect">
+            <a:avLst/>
+          </a:prstGeom>
+        </p:spPr>
+      </p:pic>
+      <p:pic>
+        <p:nvPicPr>
+          <p:cNvPr id="11" name="Picture 10" descr="A picture containing table&#10;&#10;Description automatically generated">
+            <a:extLst>
+              <a:ext uri="{FF2B5EF4-FFF2-40B4-BE49-F238E27FC236}">
+                <a16:creationId xmlns:a16="http://schemas.microsoft.com/office/drawing/2014/main" id="{D50F81F7-1A24-4ECD-9B9E-72FBEDF39CE8}"/>
+              </a:ext>
+            </a:extLst>
+          </p:cNvPr>
+          <p:cNvPicPr>
+            <a:picLocks noChangeAspect="1"/>
+          </p:cNvPicPr>
+          <p:nvPr/>
+        </p:nvPicPr>
+        <p:blipFill>
+          <a:blip r:embed="rId5">
+            <a:extLst>
+              <a:ext uri="{28A0092B-C50C-407E-A947-70E740481C1C}">
+                <a14:useLocalDpi xmlns:a14="http://schemas.microsoft.com/office/drawing/2010/main" val="0"/>
+              </a:ext>
+            </a:extLst>
+          </a:blip>
+          <a:stretch>
+            <a:fillRect/>
+          </a:stretch>
+        </p:blipFill>
+        <p:spPr>
+          <a:xfrm>
+            <a:off x="2645499" y="4242903"/>
+            <a:ext cx="1181202" cy="1531753"/>
+          </a:xfrm>
+          <a:prstGeom prst="rect">
+            <a:avLst/>
+          </a:prstGeom>
+        </p:spPr>
+      </p:pic>
+      <p:sp>
+        <p:nvSpPr>
+          <p:cNvPr id="13" name="TextBox 12">
+            <a:extLst>
+              <a:ext uri="{FF2B5EF4-FFF2-40B4-BE49-F238E27FC236}">
+                <a16:creationId xmlns:a16="http://schemas.microsoft.com/office/drawing/2014/main" id="{CF95A124-720E-4F26-9F5F-A99671E22173}"/>
+              </a:ext>
+            </a:extLst>
+          </p:cNvPr>
+          <p:cNvSpPr txBox="1"/>
+          <p:nvPr/>
+        </p:nvSpPr>
+        <p:spPr>
+          <a:xfrm>
+            <a:off x="1457062" y="1008438"/>
+            <a:ext cx="1808055" cy="369332"/>
+          </a:xfrm>
+          <a:prstGeom prst="rect">
+            <a:avLst/>
+          </a:prstGeom>
+          <a:noFill/>
+        </p:spPr>
+        <p:txBody>
+          <a:bodyPr wrap="square">
+            <a:spAutoFit/>
+          </a:bodyPr>
+          <a:lstStyle/>
+          <a:p>
+            <a:pPr marL="285750" indent="-285750">
+              <a:buFont typeface="Arial" panose="020B0604020202020204" pitchFamily="34" charset="0"/>
+              <a:buChar char="•"/>
+            </a:pPr>
+            <a:r>
+              <a:rPr lang="en-GB" sz="1800" dirty="0">
+                <a:solidFill>
+                  <a:schemeClr val="tx1">
+                    <a:lumMod val="95000"/>
+                    <a:lumOff val="5000"/>
+                  </a:schemeClr>
+                </a:solidFill>
+              </a:rPr>
+              <a:t>Operators</a:t>
+            </a:r>
+          </a:p>
+        </p:txBody>
+      </p:sp>
+      <p:sp>
+        <p:nvSpPr>
+          <p:cNvPr id="15" name="TextBox 14">
+            <a:extLst>
+              <a:ext uri="{FF2B5EF4-FFF2-40B4-BE49-F238E27FC236}">
+                <a16:creationId xmlns:a16="http://schemas.microsoft.com/office/drawing/2014/main" id="{ECDF5742-43CF-49CA-96FA-CAA8BBB5D664}"/>
+              </a:ext>
+            </a:extLst>
+          </p:cNvPr>
+          <p:cNvSpPr txBox="1"/>
+          <p:nvPr/>
+        </p:nvSpPr>
+        <p:spPr>
+          <a:xfrm>
+            <a:off x="1719397" y="3664126"/>
+            <a:ext cx="2555310" cy="369332"/>
+          </a:xfrm>
+          <a:prstGeom prst="rect">
+            <a:avLst/>
+          </a:prstGeom>
+          <a:noFill/>
+        </p:spPr>
+        <p:txBody>
+          <a:bodyPr wrap="square">
+            <a:spAutoFit/>
+          </a:bodyPr>
+          <a:lstStyle/>
+          <a:p>
+            <a:pPr marL="285750" indent="-285750">
+              <a:buFont typeface="Arial" panose="020B0604020202020204" pitchFamily="34" charset="0"/>
+              <a:buChar char="•"/>
+            </a:pPr>
+            <a:r>
+              <a:rPr lang="en-GB" sz="1800" dirty="0">
+                <a:solidFill>
+                  <a:schemeClr val="tx1">
+                    <a:lumMod val="95000"/>
+                    <a:lumOff val="5000"/>
+                  </a:schemeClr>
+                </a:solidFill>
+              </a:rPr>
+              <a:t>Equivalent Operators</a:t>
+            </a:r>
+          </a:p>
+        </p:txBody>
+      </p:sp>
+      <p:sp>
+        <p:nvSpPr>
+          <p:cNvPr id="17" name="TextBox 16">
+            <a:extLst>
+              <a:ext uri="{FF2B5EF4-FFF2-40B4-BE49-F238E27FC236}">
+                <a16:creationId xmlns:a16="http://schemas.microsoft.com/office/drawing/2014/main" id="{B012CDBC-3C4B-437C-8769-A58FB9EA1C4A}"/>
+              </a:ext>
+            </a:extLst>
+          </p:cNvPr>
+          <p:cNvSpPr txBox="1"/>
+          <p:nvPr/>
+        </p:nvSpPr>
+        <p:spPr>
+          <a:xfrm>
+            <a:off x="7335556" y="1573334"/>
+            <a:ext cx="2184225" cy="369332"/>
+          </a:xfrm>
+          <a:prstGeom prst="rect">
+            <a:avLst/>
+          </a:prstGeom>
+          <a:noFill/>
+        </p:spPr>
+        <p:txBody>
+          <a:bodyPr wrap="square">
+            <a:spAutoFit/>
+          </a:bodyPr>
+          <a:lstStyle/>
+          <a:p>
+            <a:pPr marL="285750" indent="-285750">
+              <a:buFont typeface="Arial" panose="020B0604020202020204" pitchFamily="34" charset="0"/>
+              <a:buChar char="•"/>
+            </a:pPr>
+            <a:r>
+              <a:rPr lang="en-GB" sz="1800" dirty="0">
+                <a:solidFill>
+                  <a:schemeClr val="tx1">
+                    <a:lumMod val="95000"/>
+                    <a:lumOff val="5000"/>
+                  </a:schemeClr>
+                </a:solidFill>
+              </a:rPr>
+              <a:t>Search Engines</a:t>
+            </a:r>
+          </a:p>
+        </p:txBody>
+      </p:sp>
+      <p:pic>
+        <p:nvPicPr>
+          <p:cNvPr id="19" name="Picture 18">
+            <a:extLst>
+              <a:ext uri="{FF2B5EF4-FFF2-40B4-BE49-F238E27FC236}">
+                <a16:creationId xmlns:a16="http://schemas.microsoft.com/office/drawing/2014/main" id="{5C756250-8D03-462B-8564-7A8347084D6E}"/>
+              </a:ext>
+            </a:extLst>
+          </p:cNvPr>
+          <p:cNvPicPr>
+            <a:picLocks noChangeAspect="1"/>
+          </p:cNvPicPr>
+          <p:nvPr/>
+        </p:nvPicPr>
+        <p:blipFill>
+          <a:blip r:embed="rId6">
+            <a:extLst>
+              <a:ext uri="{28A0092B-C50C-407E-A947-70E740481C1C}">
+                <a14:useLocalDpi xmlns:a14="http://schemas.microsoft.com/office/drawing/2010/main" val="0"/>
+              </a:ext>
+            </a:extLst>
+          </a:blip>
+          <a:stretch>
+            <a:fillRect/>
+          </a:stretch>
+        </p:blipFill>
+        <p:spPr>
+          <a:xfrm>
+            <a:off x="6931661" y="2126633"/>
+            <a:ext cx="807790" cy="251482"/>
+          </a:xfrm>
+          <a:prstGeom prst="rect">
+            <a:avLst/>
+          </a:prstGeom>
+        </p:spPr>
+      </p:pic>
+      <p:pic>
+        <p:nvPicPr>
+          <p:cNvPr id="21" name="Picture 20">
+            <a:extLst>
+              <a:ext uri="{FF2B5EF4-FFF2-40B4-BE49-F238E27FC236}">
+                <a16:creationId xmlns:a16="http://schemas.microsoft.com/office/drawing/2014/main" id="{529C6506-80FF-4049-834B-79DBF9D72AEB}"/>
+              </a:ext>
+            </a:extLst>
+          </p:cNvPr>
+          <p:cNvPicPr>
+            <a:picLocks noChangeAspect="1"/>
+          </p:cNvPicPr>
+          <p:nvPr/>
+        </p:nvPicPr>
+        <p:blipFill>
+          <a:blip r:embed="rId7">
+            <a:extLst>
+              <a:ext uri="{28A0092B-C50C-407E-A947-70E740481C1C}">
+                <a14:useLocalDpi xmlns:a14="http://schemas.microsoft.com/office/drawing/2010/main" val="0"/>
+              </a:ext>
+            </a:extLst>
+          </a:blip>
+          <a:stretch>
+            <a:fillRect/>
+          </a:stretch>
+        </p:blipFill>
+        <p:spPr>
+          <a:xfrm>
+            <a:off x="8068471" y="2440407"/>
+            <a:ext cx="784928" cy="228620"/>
+          </a:xfrm>
+          <a:prstGeom prst="rect">
+            <a:avLst/>
+          </a:prstGeom>
+        </p:spPr>
+      </p:pic>
+      <p:pic>
+        <p:nvPicPr>
+          <p:cNvPr id="23" name="Picture 22">
+            <a:extLst>
+              <a:ext uri="{FF2B5EF4-FFF2-40B4-BE49-F238E27FC236}">
+                <a16:creationId xmlns:a16="http://schemas.microsoft.com/office/drawing/2014/main" id="{2798D27D-F693-4011-B3E1-6C82648A92AF}"/>
+              </a:ext>
+            </a:extLst>
+          </p:cNvPr>
+          <p:cNvPicPr>
+            <a:picLocks noChangeAspect="1"/>
+          </p:cNvPicPr>
+          <p:nvPr/>
+        </p:nvPicPr>
+        <p:blipFill>
+          <a:blip r:embed="rId8">
+            <a:extLst>
+              <a:ext uri="{28A0092B-C50C-407E-A947-70E740481C1C}">
+                <a14:useLocalDpi xmlns:a14="http://schemas.microsoft.com/office/drawing/2010/main" val="0"/>
+              </a:ext>
+            </a:extLst>
+          </a:blip>
+          <a:stretch>
+            <a:fillRect/>
+          </a:stretch>
+        </p:blipFill>
+        <p:spPr>
+          <a:xfrm>
+            <a:off x="9374989" y="2438738"/>
+            <a:ext cx="1044030" cy="259102"/>
+          </a:xfrm>
+          <a:prstGeom prst="rect">
+            <a:avLst/>
+          </a:prstGeom>
+        </p:spPr>
+      </p:pic>
+      <p:pic>
+        <p:nvPicPr>
+          <p:cNvPr id="25" name="Picture 24">
+            <a:extLst>
+              <a:ext uri="{FF2B5EF4-FFF2-40B4-BE49-F238E27FC236}">
+                <a16:creationId xmlns:a16="http://schemas.microsoft.com/office/drawing/2014/main" id="{5DF39155-6456-4CB3-BCFA-1F4E16946B18}"/>
+              </a:ext>
+            </a:extLst>
+          </p:cNvPr>
+          <p:cNvPicPr>
+            <a:picLocks noChangeAspect="1"/>
+          </p:cNvPicPr>
+          <p:nvPr/>
+        </p:nvPicPr>
+        <p:blipFill>
+          <a:blip r:embed="rId9">
+            <a:extLst>
+              <a:ext uri="{28A0092B-C50C-407E-A947-70E740481C1C}">
+                <a14:useLocalDpi xmlns:a14="http://schemas.microsoft.com/office/drawing/2010/main" val="0"/>
+              </a:ext>
+            </a:extLst>
+          </a:blip>
+          <a:stretch>
+            <a:fillRect/>
+          </a:stretch>
+        </p:blipFill>
+        <p:spPr>
+          <a:xfrm>
+            <a:off x="6981195" y="3055588"/>
+            <a:ext cx="708721" cy="243861"/>
+          </a:xfrm>
+          <a:prstGeom prst="rect">
+            <a:avLst/>
+          </a:prstGeom>
+        </p:spPr>
+      </p:pic>
+      <p:pic>
+        <p:nvPicPr>
+          <p:cNvPr id="27" name="Picture 26">
+            <a:extLst>
+              <a:ext uri="{FF2B5EF4-FFF2-40B4-BE49-F238E27FC236}">
+                <a16:creationId xmlns:a16="http://schemas.microsoft.com/office/drawing/2014/main" id="{940F8EB4-0598-4C81-A656-18F4FE85E43F}"/>
+              </a:ext>
+            </a:extLst>
+          </p:cNvPr>
+          <p:cNvPicPr>
+            <a:picLocks noChangeAspect="1"/>
+          </p:cNvPicPr>
+          <p:nvPr/>
+        </p:nvPicPr>
+        <p:blipFill>
+          <a:blip r:embed="rId10">
+            <a:extLst>
+              <a:ext uri="{28A0092B-C50C-407E-A947-70E740481C1C}">
+                <a14:useLocalDpi xmlns:a14="http://schemas.microsoft.com/office/drawing/2010/main" val="0"/>
+              </a:ext>
+            </a:extLst>
+          </a:blip>
+          <a:stretch>
+            <a:fillRect/>
+          </a:stretch>
+        </p:blipFill>
+        <p:spPr>
+          <a:xfrm>
+            <a:off x="8243738" y="3055588"/>
+            <a:ext cx="1341236" cy="259102"/>
+          </a:xfrm>
+          <a:prstGeom prst="rect">
+            <a:avLst/>
+          </a:prstGeom>
+        </p:spPr>
+      </p:pic>
+      <p:pic>
+        <p:nvPicPr>
+          <p:cNvPr id="29" name="Picture 28">
+            <a:extLst>
+              <a:ext uri="{FF2B5EF4-FFF2-40B4-BE49-F238E27FC236}">
+                <a16:creationId xmlns:a16="http://schemas.microsoft.com/office/drawing/2014/main" id="{3A2CEF1B-288F-4668-BFC3-18ABCED1849E}"/>
+              </a:ext>
+            </a:extLst>
+          </p:cNvPr>
+          <p:cNvPicPr>
+            <a:picLocks noChangeAspect="1"/>
+          </p:cNvPicPr>
+          <p:nvPr/>
+        </p:nvPicPr>
+        <p:blipFill>
+          <a:blip r:embed="rId11">
+            <a:extLst>
+              <a:ext uri="{28A0092B-C50C-407E-A947-70E740481C1C}">
+                <a14:useLocalDpi xmlns:a14="http://schemas.microsoft.com/office/drawing/2010/main" val="0"/>
+              </a:ext>
+            </a:extLst>
+          </a:blip>
+          <a:stretch>
+            <a:fillRect/>
+          </a:stretch>
+        </p:blipFill>
+        <p:spPr>
+          <a:xfrm>
+            <a:off x="7786131" y="4765809"/>
+            <a:ext cx="1158340" cy="228620"/>
+          </a:xfrm>
+          <a:prstGeom prst="rect">
+            <a:avLst/>
+          </a:prstGeom>
+        </p:spPr>
+      </p:pic>
+      <p:pic>
+        <p:nvPicPr>
+          <p:cNvPr id="31" name="Picture 30">
+            <a:extLst>
+              <a:ext uri="{FF2B5EF4-FFF2-40B4-BE49-F238E27FC236}">
+                <a16:creationId xmlns:a16="http://schemas.microsoft.com/office/drawing/2014/main" id="{D78CCBB1-5D74-4047-8149-67CF5ABAD225}"/>
+              </a:ext>
+            </a:extLst>
+          </p:cNvPr>
+          <p:cNvPicPr>
+            <a:picLocks noChangeAspect="1"/>
+          </p:cNvPicPr>
+          <p:nvPr/>
+        </p:nvPicPr>
+        <p:blipFill>
+          <a:blip r:embed="rId12">
+            <a:extLst>
+              <a:ext uri="{28A0092B-C50C-407E-A947-70E740481C1C}">
+                <a14:useLocalDpi xmlns:a14="http://schemas.microsoft.com/office/drawing/2010/main" val="0"/>
+              </a:ext>
+            </a:extLst>
+          </a:blip>
+          <a:stretch>
+            <a:fillRect/>
+          </a:stretch>
+        </p:blipFill>
+        <p:spPr>
+          <a:xfrm>
+            <a:off x="9519781" y="3558551"/>
+            <a:ext cx="899238" cy="266723"/>
+          </a:xfrm>
+          <a:prstGeom prst="rect">
+            <a:avLst/>
+          </a:prstGeom>
+        </p:spPr>
+      </p:pic>
+      <p:pic>
+        <p:nvPicPr>
+          <p:cNvPr id="33" name="Picture 32">
+            <a:extLst>
+              <a:ext uri="{FF2B5EF4-FFF2-40B4-BE49-F238E27FC236}">
+                <a16:creationId xmlns:a16="http://schemas.microsoft.com/office/drawing/2014/main" id="{D692211C-A78F-4744-AAA0-2B4B615490EF}"/>
+              </a:ext>
+            </a:extLst>
+          </p:cNvPr>
+          <p:cNvPicPr>
+            <a:picLocks noChangeAspect="1"/>
+          </p:cNvPicPr>
+          <p:nvPr/>
+        </p:nvPicPr>
+        <p:blipFill>
+          <a:blip r:embed="rId13">
+            <a:extLst>
+              <a:ext uri="{28A0092B-C50C-407E-A947-70E740481C1C}">
+                <a14:useLocalDpi xmlns:a14="http://schemas.microsoft.com/office/drawing/2010/main" val="0"/>
+              </a:ext>
+            </a:extLst>
+          </a:blip>
+          <a:stretch>
+            <a:fillRect/>
+          </a:stretch>
+        </p:blipFill>
+        <p:spPr>
+          <a:xfrm>
+            <a:off x="6466800" y="3983262"/>
+            <a:ext cx="1028789" cy="213378"/>
+          </a:xfrm>
+          <a:prstGeom prst="rect">
+            <a:avLst/>
+          </a:prstGeom>
+        </p:spPr>
+      </p:pic>
+      <p:pic>
+        <p:nvPicPr>
+          <p:cNvPr id="35" name="Picture 34">
+            <a:extLst>
+              <a:ext uri="{FF2B5EF4-FFF2-40B4-BE49-F238E27FC236}">
+                <a16:creationId xmlns:a16="http://schemas.microsoft.com/office/drawing/2014/main" id="{A2893257-C342-49D6-849C-8B6D229942D8}"/>
+              </a:ext>
+            </a:extLst>
+          </p:cNvPr>
+          <p:cNvPicPr>
+            <a:picLocks noChangeAspect="1"/>
+          </p:cNvPicPr>
+          <p:nvPr/>
+        </p:nvPicPr>
+        <p:blipFill>
+          <a:blip r:embed="rId14">
+            <a:extLst>
+              <a:ext uri="{28A0092B-C50C-407E-A947-70E740481C1C}">
+                <a14:useLocalDpi xmlns:a14="http://schemas.microsoft.com/office/drawing/2010/main" val="0"/>
+              </a:ext>
+            </a:extLst>
+          </a:blip>
+          <a:stretch>
+            <a:fillRect/>
+          </a:stretch>
+        </p:blipFill>
+        <p:spPr>
+          <a:xfrm>
+            <a:off x="9584974" y="4309492"/>
+            <a:ext cx="754445" cy="236240"/>
+          </a:xfrm>
+          <a:prstGeom prst="rect">
+            <a:avLst/>
+          </a:prstGeom>
+        </p:spPr>
+      </p:pic>
+      <p:pic>
+        <p:nvPicPr>
+          <p:cNvPr id="37" name="Picture 36">
+            <a:extLst>
+              <a:ext uri="{FF2B5EF4-FFF2-40B4-BE49-F238E27FC236}">
+                <a16:creationId xmlns:a16="http://schemas.microsoft.com/office/drawing/2014/main" id="{FF20A6EF-BB5E-4675-B26C-CCA3485B0ADC}"/>
+              </a:ext>
+            </a:extLst>
+          </p:cNvPr>
+          <p:cNvPicPr>
+            <a:picLocks noChangeAspect="1"/>
+          </p:cNvPicPr>
+          <p:nvPr/>
+        </p:nvPicPr>
+        <p:blipFill>
+          <a:blip r:embed="rId15">
+            <a:extLst>
+              <a:ext uri="{28A0092B-C50C-407E-A947-70E740481C1C}">
+                <a14:useLocalDpi xmlns:a14="http://schemas.microsoft.com/office/drawing/2010/main" val="0"/>
+              </a:ext>
+            </a:extLst>
+          </a:blip>
+          <a:stretch>
+            <a:fillRect/>
+          </a:stretch>
+        </p:blipFill>
+        <p:spPr>
+          <a:xfrm>
+            <a:off x="8154104" y="3790765"/>
+            <a:ext cx="914479" cy="236240"/>
+          </a:xfrm>
+          <a:prstGeom prst="rect">
+            <a:avLst/>
+          </a:prstGeom>
+        </p:spPr>
+      </p:pic>
+    </p:spTree>
+    <p:extLst>
+      <p:ext uri="{BB962C8B-B14F-4D97-AF65-F5344CB8AC3E}">
+        <p14:creationId xmlns:p14="http://schemas.microsoft.com/office/powerpoint/2010/main" val="1169483427"/>
+      </p:ext>
+    </p:extLst>
+  </p:cSld>
+  <p:clrMapOvr>
+    <a:masterClrMapping/>
+  </p:clrMapOvr>
+</p:sld>
+</file>
+
+<file path=ppt/slides/slide7.xml><?xml version="1.0" encoding="utf-8"?>
+<p:sld xmlns:a="http://schemas.openxmlformats.org/drawingml/2006/main" xmlns:r="http://schemas.openxmlformats.org/officeDocument/2006/relationships" xmlns:p="http://schemas.openxmlformats.org/presentationml/2006/main">
+  <p:cSld>
+    <p:spTree>
+      <p:nvGrpSpPr>
+        <p:cNvPr id="1" name=""/>
+        <p:cNvGrpSpPr/>
+        <p:nvPr/>
+      </p:nvGrpSpPr>
+      <p:grpSpPr>
+        <a:xfrm>
+          <a:off x="0" y="0"/>
+          <a:ext cx="0" cy="0"/>
+          <a:chOff x="0" y="0"/>
+          <a:chExt cx="0" cy="0"/>
+        </a:xfrm>
+      </p:grpSpPr>
+      <p:sp>
+        <p:nvSpPr>
+          <p:cNvPr id="2" name="TextBox 1">
+            <a:extLst>
+              <a:ext uri="{FF2B5EF4-FFF2-40B4-BE49-F238E27FC236}">
+                <a16:creationId xmlns:a16="http://schemas.microsoft.com/office/drawing/2014/main" id="{34469540-846F-4196-8885-6DB4EC063B7D}"/>
+              </a:ext>
+            </a:extLst>
+          </p:cNvPr>
+          <p:cNvSpPr txBox="1"/>
+          <p:nvPr/>
+        </p:nvSpPr>
+        <p:spPr>
+          <a:xfrm>
+            <a:off x="2689964" y="325677"/>
+            <a:ext cx="6812072" cy="830997"/>
+          </a:xfrm>
+          <a:prstGeom prst="rect">
+            <a:avLst/>
+          </a:prstGeom>
+          <a:noFill/>
+        </p:spPr>
+        <p:txBody>
+          <a:bodyPr wrap="square" rtlCol="0">
+            <a:spAutoFit/>
+          </a:bodyPr>
+          <a:lstStyle/>
+          <a:p>
+            <a:r>
+              <a:rPr lang="en-GB" sz="4800" dirty="0">
+                <a:solidFill>
+                  <a:schemeClr val="tx1">
+                    <a:lumMod val="95000"/>
+                    <a:lumOff val="5000"/>
+                  </a:schemeClr>
+                </a:solidFill>
+              </a:rPr>
+              <a:t>PART D - VULNERABILITIES</a:t>
+            </a:r>
+          </a:p>
+        </p:txBody>
+      </p:sp>
+      <p:sp>
+        <p:nvSpPr>
+          <p:cNvPr id="4" name="TextBox 3">
+            <a:extLst>
+              <a:ext uri="{FF2B5EF4-FFF2-40B4-BE49-F238E27FC236}">
+                <a16:creationId xmlns:a16="http://schemas.microsoft.com/office/drawing/2014/main" id="{7B510A36-AADB-4B3F-9B08-B8F7B648C98F}"/>
+              </a:ext>
+            </a:extLst>
+          </p:cNvPr>
+          <p:cNvSpPr txBox="1"/>
+          <p:nvPr/>
+        </p:nvSpPr>
+        <p:spPr>
+          <a:xfrm>
+            <a:off x="1684751" y="2192054"/>
+            <a:ext cx="5329825" cy="3447098"/>
+          </a:xfrm>
+          <a:prstGeom prst="rect">
+            <a:avLst/>
+          </a:prstGeom>
+          <a:noFill/>
+        </p:spPr>
+        <p:txBody>
+          <a:bodyPr wrap="square" rtlCol="0">
+            <a:spAutoFit/>
+          </a:bodyPr>
+          <a:lstStyle/>
+          <a:p>
+            <a:pPr marL="285750" indent="-285750">
+              <a:buFont typeface="Arial" panose="020B0604020202020204" pitchFamily="34" charset="0"/>
+              <a:buChar char="•"/>
+            </a:pPr>
+            <a:r>
+              <a:rPr lang="en-GB" sz="2000" dirty="0">
+                <a:solidFill>
+                  <a:schemeClr val="tx1">
+                    <a:lumMod val="95000"/>
+                    <a:lumOff val="5000"/>
+                  </a:schemeClr>
+                </a:solidFill>
+              </a:rPr>
+              <a:t>Injection</a:t>
+            </a:r>
+          </a:p>
+          <a:p>
+            <a:pPr marL="285750" indent="-285750">
+              <a:buFont typeface="Arial" panose="020B0604020202020204" pitchFamily="34" charset="0"/>
+              <a:buChar char="•"/>
+            </a:pPr>
+            <a:r>
+              <a:rPr lang="en-GB" sz="2000" dirty="0">
+                <a:solidFill>
+                  <a:schemeClr val="tx1">
+                    <a:lumMod val="95000"/>
+                    <a:lumOff val="5000"/>
+                  </a:schemeClr>
+                </a:solidFill>
+              </a:rPr>
+              <a:t>Broken Authentication</a:t>
+            </a:r>
+          </a:p>
+          <a:p>
+            <a:pPr marL="285750" indent="-285750">
+              <a:buFont typeface="Arial" panose="020B0604020202020204" pitchFamily="34" charset="0"/>
+              <a:buChar char="•"/>
+            </a:pPr>
+            <a:r>
+              <a:rPr lang="en-GB" sz="2000" dirty="0">
+                <a:solidFill>
+                  <a:schemeClr val="tx1">
+                    <a:lumMod val="95000"/>
+                    <a:lumOff val="5000"/>
+                  </a:schemeClr>
+                </a:solidFill>
+              </a:rPr>
+              <a:t>Sensitive Data Exposure</a:t>
+            </a:r>
+          </a:p>
+          <a:p>
+            <a:pPr marL="285750" indent="-285750">
+              <a:buFont typeface="Arial" panose="020B0604020202020204" pitchFamily="34" charset="0"/>
+              <a:buChar char="•"/>
+            </a:pPr>
+            <a:r>
+              <a:rPr lang="en-GB" sz="2000" dirty="0">
+                <a:solidFill>
+                  <a:schemeClr val="tx1">
+                    <a:lumMod val="95000"/>
+                    <a:lumOff val="5000"/>
+                  </a:schemeClr>
+                </a:solidFill>
+              </a:rPr>
+              <a:t>Broken Access Control</a:t>
+            </a:r>
+          </a:p>
+          <a:p>
+            <a:pPr marL="285750" indent="-285750">
+              <a:buFont typeface="Arial" panose="020B0604020202020204" pitchFamily="34" charset="0"/>
+              <a:buChar char="•"/>
+            </a:pPr>
+            <a:r>
+              <a:rPr lang="en-GB" sz="2000" dirty="0">
+                <a:solidFill>
+                  <a:schemeClr val="tx1">
+                    <a:lumMod val="95000"/>
+                    <a:lumOff val="5000"/>
+                  </a:schemeClr>
+                </a:solidFill>
+              </a:rPr>
+              <a:t>Security Misconfiguration</a:t>
+            </a:r>
+          </a:p>
+          <a:p>
+            <a:pPr marL="285750" indent="-285750">
+              <a:buFont typeface="Arial" panose="020B0604020202020204" pitchFamily="34" charset="0"/>
+              <a:buChar char="•"/>
+            </a:pPr>
+            <a:r>
+              <a:rPr lang="en-GB" sz="2000" dirty="0">
+                <a:solidFill>
+                  <a:schemeClr val="tx1">
+                    <a:lumMod val="95000"/>
+                    <a:lumOff val="5000"/>
+                  </a:schemeClr>
+                </a:solidFill>
+              </a:rPr>
+              <a:t>Cross-Site Scripting</a:t>
+            </a:r>
+          </a:p>
+          <a:p>
+            <a:pPr marL="285750" indent="-285750">
+              <a:buFont typeface="Arial" panose="020B0604020202020204" pitchFamily="34" charset="0"/>
+              <a:buChar char="•"/>
+            </a:pPr>
+            <a:r>
+              <a:rPr lang="en-GB" sz="2000" dirty="0">
+                <a:solidFill>
+                  <a:schemeClr val="tx1">
+                    <a:lumMod val="95000"/>
+                    <a:lumOff val="5000"/>
+                  </a:schemeClr>
+                </a:solidFill>
+              </a:rPr>
+              <a:t>Insecure Direct Object References</a:t>
+            </a:r>
+          </a:p>
+          <a:p>
+            <a:pPr marL="285750" indent="-285750">
+              <a:buFont typeface="Arial" panose="020B0604020202020204" pitchFamily="34" charset="0"/>
+              <a:buChar char="•"/>
+            </a:pPr>
+            <a:r>
+              <a:rPr lang="en-GB" sz="2000" dirty="0">
+                <a:solidFill>
+                  <a:schemeClr val="tx1">
+                    <a:lumMod val="95000"/>
+                    <a:lumOff val="5000"/>
+                  </a:schemeClr>
+                </a:solidFill>
+              </a:rPr>
+              <a:t>Cross-Site Request Forgery</a:t>
+            </a:r>
+          </a:p>
+          <a:p>
+            <a:pPr marL="285750" indent="-285750">
+              <a:buFont typeface="Arial" panose="020B0604020202020204" pitchFamily="34" charset="0"/>
+              <a:buChar char="•"/>
+            </a:pPr>
+            <a:r>
+              <a:rPr lang="en-GB" sz="2000" dirty="0">
+                <a:solidFill>
+                  <a:schemeClr val="tx1">
+                    <a:lumMod val="95000"/>
+                    <a:lumOff val="5000"/>
+                  </a:schemeClr>
+                </a:solidFill>
+              </a:rPr>
+              <a:t>Using Components with Known Vulnerabilities</a:t>
+            </a:r>
+          </a:p>
+          <a:p>
+            <a:pPr marL="285750" indent="-285750">
+              <a:buFont typeface="Arial" panose="020B0604020202020204" pitchFamily="34" charset="0"/>
+              <a:buChar char="•"/>
+            </a:pPr>
+            <a:r>
+              <a:rPr lang="en-GB" sz="2000" dirty="0">
+                <a:solidFill>
+                  <a:schemeClr val="tx1">
+                    <a:lumMod val="95000"/>
+                    <a:lumOff val="5000"/>
+                  </a:schemeClr>
+                </a:solidFill>
+              </a:rPr>
+              <a:t>Insufficient Logging &amp; Monitoring</a:t>
+            </a:r>
+          </a:p>
+          <a:p>
+            <a:pPr marL="285750" indent="-285750">
+              <a:buFont typeface="Arial" panose="020B0604020202020204" pitchFamily="34" charset="0"/>
+              <a:buChar char="•"/>
+            </a:pPr>
+            <a:endParaRPr lang="en-GB" dirty="0"/>
+          </a:p>
+        </p:txBody>
+      </p:sp>
+    </p:spTree>
+    <p:extLst>
+      <p:ext uri="{BB962C8B-B14F-4D97-AF65-F5344CB8AC3E}">
+        <p14:creationId xmlns:p14="http://schemas.microsoft.com/office/powerpoint/2010/main" val="3658715283"/>
+      </p:ext>
+    </p:extLst>
+  </p:cSld>
+  <p:clrMapOvr>
+    <a:masterClrMapping/>
+  </p:clrMapOvr>
+</p:sld>
+</file>
+
+<file path=ppt/slides/slide8.xml><?xml version="1.0" encoding="utf-8"?>
+<p:sld xmlns:a="http://schemas.openxmlformats.org/drawingml/2006/main" xmlns:r="http://schemas.openxmlformats.org/officeDocument/2006/relationships" xmlns:p="http://schemas.openxmlformats.org/presentationml/2006/main">
+  <p:cSld>
+    <p:spTree>
+      <p:nvGrpSpPr>
+        <p:cNvPr id="1" name=""/>
+        <p:cNvGrpSpPr/>
+        <p:nvPr/>
+      </p:nvGrpSpPr>
+      <p:grpSpPr>
+        <a:xfrm>
+          <a:off x="0" y="0"/>
+          <a:ext cx="0" cy="0"/>
+          <a:chOff x="0" y="0"/>
+          <a:chExt cx="0" cy="0"/>
+        </a:xfrm>
+      </p:grpSpPr>
+      <p:sp>
+        <p:nvSpPr>
+          <p:cNvPr id="2" name="TextBox 1">
+            <a:extLst>
+              <a:ext uri="{FF2B5EF4-FFF2-40B4-BE49-F238E27FC236}">
+                <a16:creationId xmlns:a16="http://schemas.microsoft.com/office/drawing/2014/main" id="{34469540-846F-4196-8885-6DB4EC063B7D}"/>
+              </a:ext>
+            </a:extLst>
+          </p:cNvPr>
+          <p:cNvSpPr txBox="1"/>
+          <p:nvPr/>
+        </p:nvSpPr>
+        <p:spPr>
+          <a:xfrm>
+            <a:off x="4962394" y="306888"/>
+            <a:ext cx="2759901" cy="830997"/>
+          </a:xfrm>
+          <a:prstGeom prst="rect">
+            <a:avLst/>
+          </a:prstGeom>
+          <a:noFill/>
+        </p:spPr>
+        <p:txBody>
+          <a:bodyPr wrap="square" rtlCol="0">
+            <a:spAutoFit/>
+          </a:bodyPr>
+          <a:lstStyle/>
+          <a:p>
+            <a:r>
+              <a:rPr lang="en-GB" sz="4800" dirty="0">
+                <a:solidFill>
+                  <a:schemeClr val="tx1">
+                    <a:lumMod val="95000"/>
+                    <a:lumOff val="5000"/>
+                  </a:schemeClr>
+                </a:solidFill>
+              </a:rPr>
               <a:t>EXPLOITS</a:t>
             </a:r>
           </a:p>
@@ -13742,7 +15723,7 @@
         </p:nvSpPr>
         <p:spPr>
           <a:xfrm>
-            <a:off x="1983286" y="2430049"/>
+            <a:off x="1559551" y="1896897"/>
             <a:ext cx="4359058" cy="2862322"/>
           </a:xfrm>
           <a:prstGeom prst="rect">
@@ -13889,6 +15870,78 @@
           </a:p>
         </p:txBody>
       </p:sp>
+      <p:pic>
+        <p:nvPicPr>
+          <p:cNvPr id="5" name="Picture 4" descr="Graphical user interface, text, application, email&#10;&#10;Description automatically generated">
+            <a:extLst>
+              <a:ext uri="{FF2B5EF4-FFF2-40B4-BE49-F238E27FC236}">
+                <a16:creationId xmlns:a16="http://schemas.microsoft.com/office/drawing/2014/main" id="{05DCFA74-DB8E-4849-A98A-08EAA7EEEF5B}"/>
+              </a:ext>
+            </a:extLst>
+          </p:cNvPr>
+          <p:cNvPicPr>
+            <a:picLocks noChangeAspect="1"/>
+          </p:cNvPicPr>
+          <p:nvPr/>
+        </p:nvPicPr>
+        <p:blipFill>
+          <a:blip r:embed="rId2">
+            <a:extLst>
+              <a:ext uri="{28A0092B-C50C-407E-A947-70E740481C1C}">
+                <a14:useLocalDpi xmlns:a14="http://schemas.microsoft.com/office/drawing/2010/main" val="0"/>
+              </a:ext>
+            </a:extLst>
+          </a:blip>
+          <a:stretch>
+            <a:fillRect/>
+          </a:stretch>
+        </p:blipFill>
+        <p:spPr>
+          <a:xfrm>
+            <a:off x="5302735" y="1211180"/>
+            <a:ext cx="4839119" cy="2347163"/>
+          </a:xfrm>
+          <a:prstGeom prst="rect">
+            <a:avLst/>
+          </a:prstGeom>
+        </p:spPr>
+      </p:pic>
+      <p:pic>
+        <p:nvPicPr>
+          <p:cNvPr id="6" name="Picture 5">
+            <a:extLst>
+              <a:ext uri="{FF2B5EF4-FFF2-40B4-BE49-F238E27FC236}">
+                <a16:creationId xmlns:a16="http://schemas.microsoft.com/office/drawing/2014/main" id="{CDC2FB39-33A1-48D0-97B8-F98B36202154}"/>
+              </a:ext>
+            </a:extLst>
+          </p:cNvPr>
+          <p:cNvPicPr>
+            <a:picLocks noChangeAspect="1"/>
+          </p:cNvPicPr>
+          <p:nvPr/>
+        </p:nvPicPr>
+        <p:blipFill>
+          <a:blip r:embed="rId3" cstate="print">
+            <a:extLst>
+              <a:ext uri="{28A0092B-C50C-407E-A947-70E740481C1C}">
+                <a14:useLocalDpi xmlns:a14="http://schemas.microsoft.com/office/drawing/2010/main" val="0"/>
+              </a:ext>
+            </a:extLst>
+          </a:blip>
+          <a:stretch>
+            <a:fillRect/>
+          </a:stretch>
+        </p:blipFill>
+        <p:spPr>
+          <a:xfrm>
+            <a:off x="4663260" y="5487285"/>
+            <a:ext cx="5731510" cy="232410"/>
+          </a:xfrm>
+          <a:prstGeom prst="rect">
+            <a:avLst/>
+          </a:prstGeom>
+        </p:spPr>
+      </p:pic>
     </p:spTree>
     <p:extLst>
       <p:ext uri="{BB962C8B-B14F-4D97-AF65-F5344CB8AC3E}">
